--- a/Presentazione.pptx
+++ b/Presentazione.pptx
@@ -5,7 +5,7 @@
     <p:sldMasterId id="2147483648" r:id="rId1"/>
   </p:sldMasterIdLst>
   <p:notesMasterIdLst>
-    <p:notesMasterId r:id="rId30"/>
+    <p:notesMasterId r:id="rId35"/>
   </p:notesMasterIdLst>
   <p:sldIdLst>
     <p:sldId id="256" r:id="rId4"/>
@@ -34,6 +34,11 @@
     <p:sldId id="279" r:id="rId27"/>
     <p:sldId id="280" r:id="rId28"/>
     <p:sldId id="281" r:id="rId29"/>
+    <p:sldId id="282" r:id="rId30"/>
+    <p:sldId id="283" r:id="rId31"/>
+    <p:sldId id="284" r:id="rId32"/>
+    <p:sldId id="285" r:id="rId33"/>
+    <p:sldId id="286" r:id="rId34"/>
   </p:sldIdLst>
   <p:sldSz cx="12192000" cy="6858000"/>
   <p:notesSz cx="6858000" cy="9144000"/>
@@ -2067,6 +2072,252 @@
 </p:notes>
 </file>
 
+<file path=ppt/notesSlides/notesSlide27.xml><?xml version="1.0" encoding="utf-8"?>
+<p:notes xmlns:a="http://schemas.openxmlformats.org/drawingml/2006/main" xmlns:r="http://schemas.openxmlformats.org/officeDocument/2006/relationships" xmlns:p="http://schemas.openxmlformats.org/presentationml/2006/main" xmlns:m="http://schemas.openxmlformats.org/officeDocument/2006/math" xmlns:w="http://schemas.openxmlformats.org/wordprocessingml/2006/main">
+  <p:cSld name="">
+    <p:spTree>
+      <p:nvGrpSpPr>
+        <p:cNvPr id="1" name=""/>
+        <p:cNvGrpSpPr/>
+        <p:nvPr/>
+      </p:nvGrpSpPr>
+      <p:grpSpPr bwMode="auto">
+        <a:xfrm>
+          <a:off x="0" y="0"/>
+          <a:ext cx="0" cy="0"/>
+          <a:chOff x="0" y="0"/>
+          <a:chExt cx="0" cy="0"/>
+        </a:xfrm>
+      </p:grpSpPr>
+      <p:sp>
+        <p:nvSpPr>
+          <p:cNvPr id="2" name="Slide Image Placeholder 1"/>
+          <p:cNvSpPr>
+            <a:spLocks noChangeAspect="1" noGrp="1" noRot="1"/>
+          </p:cNvSpPr>
+          <p:nvPr>
+            <p:ph type="sldImg"/>
+          </p:nvPr>
+        </p:nvSpPr>
+        <p:spPr bwMode="auto"/>
+      </p:sp>
+      <p:sp>
+        <p:nvSpPr>
+          <p:cNvPr id="3" name="Notes Placeholder 2"/>
+          <p:cNvSpPr>
+            <a:spLocks noGrp="1"/>
+          </p:cNvSpPr>
+          <p:nvPr>
+            <p:ph type="body" idx="1"/>
+          </p:nvPr>
+        </p:nvSpPr>
+        <p:spPr bwMode="auto"/>
+        <p:txBody>
+          <a:bodyPr/>
+          <a:lstStyle/>
+          <a:p>
+            <a:pPr>
+              <a:defRPr/>
+            </a:pPr>
+            <a:endParaRPr/>
+          </a:p>
+        </p:txBody>
+      </p:sp>
+      <p:sp>
+        <p:nvSpPr>
+          <p:cNvPr id="4" name="Slide Number Placeholder 3"/>
+          <p:cNvSpPr>
+            <a:spLocks noGrp="1"/>
+          </p:cNvSpPr>
+          <p:nvPr>
+            <p:ph type="sldNum" sz="quarter" idx="10"/>
+          </p:nvPr>
+        </p:nvSpPr>
+        <p:spPr bwMode="auto"/>
+        <p:txBody>
+          <a:bodyPr/>
+          <a:lstStyle/>
+          <a:p>
+            <a:pPr>
+              <a:defRPr/>
+            </a:pPr>
+            <a:fld id="{8BDB9B44-DF2A-7588-72B5-F53C29E70097}" type="slidenum">
+              <a:rPr/>
+              <a:t/>
+            </a:fld>
+            <a:endParaRPr/>
+          </a:p>
+        </p:txBody>
+      </p:sp>
+    </p:spTree>
+  </p:cSld>
+</p:notes>
+</file>
+
+<file path=ppt/notesSlides/notesSlide28.xml><?xml version="1.0" encoding="utf-8"?>
+<p:notes xmlns:a="http://schemas.openxmlformats.org/drawingml/2006/main" xmlns:r="http://schemas.openxmlformats.org/officeDocument/2006/relationships" xmlns:p="http://schemas.openxmlformats.org/presentationml/2006/main" xmlns:m="http://schemas.openxmlformats.org/officeDocument/2006/math" xmlns:w="http://schemas.openxmlformats.org/wordprocessingml/2006/main">
+  <p:cSld name="">
+    <p:spTree>
+      <p:nvGrpSpPr>
+        <p:cNvPr id="1" name=""/>
+        <p:cNvGrpSpPr/>
+        <p:nvPr/>
+      </p:nvGrpSpPr>
+      <p:grpSpPr bwMode="auto">
+        <a:xfrm>
+          <a:off x="0" y="0"/>
+          <a:ext cx="0" cy="0"/>
+          <a:chOff x="0" y="0"/>
+          <a:chExt cx="0" cy="0"/>
+        </a:xfrm>
+      </p:grpSpPr>
+      <p:sp>
+        <p:nvSpPr>
+          <p:cNvPr id="2030453515" name="Slide Image Placeholder 1"/>
+          <p:cNvSpPr>
+            <a:spLocks noChangeAspect="1" noGrp="1" noRot="1"/>
+          </p:cNvSpPr>
+          <p:nvPr>
+            <p:ph type="sldImg"/>
+          </p:nvPr>
+        </p:nvSpPr>
+        <p:spPr bwMode="auto"/>
+      </p:sp>
+      <p:sp>
+        <p:nvSpPr>
+          <p:cNvPr id="1390226611" name="Notes Placeholder 2"/>
+          <p:cNvSpPr>
+            <a:spLocks noGrp="1"/>
+          </p:cNvSpPr>
+          <p:nvPr>
+            <p:ph type="body" idx="1"/>
+          </p:nvPr>
+        </p:nvSpPr>
+        <p:spPr bwMode="auto"/>
+        <p:txBody>
+          <a:bodyPr/>
+          <a:lstStyle/>
+          <a:p>
+            <a:pPr>
+              <a:defRPr/>
+            </a:pPr>
+            <a:endParaRPr/>
+          </a:p>
+        </p:txBody>
+      </p:sp>
+      <p:sp>
+        <p:nvSpPr>
+          <p:cNvPr id="1142953067" name="Slide Number Placeholder 3"/>
+          <p:cNvSpPr>
+            <a:spLocks noGrp="1"/>
+          </p:cNvSpPr>
+          <p:nvPr>
+            <p:ph type="sldNum" sz="quarter" idx="10"/>
+          </p:nvPr>
+        </p:nvSpPr>
+        <p:spPr bwMode="auto"/>
+        <p:txBody>
+          <a:bodyPr/>
+          <a:lstStyle/>
+          <a:p>
+            <a:pPr>
+              <a:defRPr/>
+            </a:pPr>
+            <a:fld id="{9A00C396-5C48-B8C5-EBE9-723B266EB516}" type="slidenum">
+              <a:rPr/>
+              <a:t/>
+            </a:fld>
+            <a:endParaRPr/>
+          </a:p>
+        </p:txBody>
+      </p:sp>
+    </p:spTree>
+  </p:cSld>
+</p:notes>
+</file>
+
+<file path=ppt/notesSlides/notesSlide29.xml><?xml version="1.0" encoding="utf-8"?>
+<p:notes xmlns:a="http://schemas.openxmlformats.org/drawingml/2006/main" xmlns:r="http://schemas.openxmlformats.org/officeDocument/2006/relationships" xmlns:p="http://schemas.openxmlformats.org/presentationml/2006/main" xmlns:m="http://schemas.openxmlformats.org/officeDocument/2006/math" xmlns:w="http://schemas.openxmlformats.org/wordprocessingml/2006/main">
+  <p:cSld name="">
+    <p:spTree>
+      <p:nvGrpSpPr>
+        <p:cNvPr id="1" name=""/>
+        <p:cNvGrpSpPr/>
+        <p:nvPr/>
+      </p:nvGrpSpPr>
+      <p:grpSpPr bwMode="auto">
+        <a:xfrm>
+          <a:off x="0" y="0"/>
+          <a:ext cx="0" cy="0"/>
+          <a:chOff x="0" y="0"/>
+          <a:chExt cx="0" cy="0"/>
+        </a:xfrm>
+      </p:grpSpPr>
+      <p:sp>
+        <p:nvSpPr>
+          <p:cNvPr id="888197229" name="Slide Image Placeholder 1"/>
+          <p:cNvSpPr>
+            <a:spLocks noChangeAspect="1" noGrp="1" noRot="1"/>
+          </p:cNvSpPr>
+          <p:nvPr>
+            <p:ph type="sldImg"/>
+          </p:nvPr>
+        </p:nvSpPr>
+        <p:spPr bwMode="auto"/>
+      </p:sp>
+      <p:sp>
+        <p:nvSpPr>
+          <p:cNvPr id="576050102" name="Notes Placeholder 2"/>
+          <p:cNvSpPr>
+            <a:spLocks noGrp="1"/>
+          </p:cNvSpPr>
+          <p:nvPr>
+            <p:ph type="body" idx="1"/>
+          </p:nvPr>
+        </p:nvSpPr>
+        <p:spPr bwMode="auto"/>
+        <p:txBody>
+          <a:bodyPr/>
+          <a:lstStyle/>
+          <a:p>
+            <a:pPr>
+              <a:defRPr/>
+            </a:pPr>
+            <a:endParaRPr/>
+          </a:p>
+        </p:txBody>
+      </p:sp>
+      <p:sp>
+        <p:nvSpPr>
+          <p:cNvPr id="228343255" name="Slide Number Placeholder 3"/>
+          <p:cNvSpPr>
+            <a:spLocks noGrp="1"/>
+          </p:cNvSpPr>
+          <p:nvPr>
+            <p:ph type="sldNum" sz="quarter" idx="10"/>
+          </p:nvPr>
+        </p:nvSpPr>
+        <p:spPr bwMode="auto"/>
+        <p:txBody>
+          <a:bodyPr/>
+          <a:lstStyle/>
+          <a:p>
+            <a:pPr>
+              <a:defRPr/>
+            </a:pPr>
+            <a:fld id="{B0639917-706B-8741-C0F8-5650ACE7B8D0}" type="slidenum">
+              <a:rPr/>
+              <a:t/>
+            </a:fld>
+            <a:endParaRPr/>
+          </a:p>
+        </p:txBody>
+      </p:sp>
+    </p:spTree>
+  </p:cSld>
+</p:notes>
+</file>
+
 <file path=ppt/notesSlides/notesSlide3.xml><?xml version="1.0" encoding="utf-8"?>
 <p:notes xmlns:a="http://schemas.openxmlformats.org/drawingml/2006/main" xmlns:r="http://schemas.openxmlformats.org/officeDocument/2006/relationships" xmlns:p="http://schemas.openxmlformats.org/presentationml/2006/main" xmlns:m="http://schemas.openxmlformats.org/officeDocument/2006/math" xmlns:w="http://schemas.openxmlformats.org/wordprocessingml/2006/main">
   <p:cSld name="">
@@ -2137,6 +2388,170 @@
               <a:defRPr/>
             </a:pPr>
             <a:fld id="{8508832A-EC0E-6C98-FDA5-F43422053B8E}" type="slidenum">
+              <a:rPr/>
+              <a:t/>
+            </a:fld>
+            <a:endParaRPr/>
+          </a:p>
+        </p:txBody>
+      </p:sp>
+    </p:spTree>
+  </p:cSld>
+</p:notes>
+</file>
+
+<file path=ppt/notesSlides/notesSlide30.xml><?xml version="1.0" encoding="utf-8"?>
+<p:notes xmlns:a="http://schemas.openxmlformats.org/drawingml/2006/main" xmlns:r="http://schemas.openxmlformats.org/officeDocument/2006/relationships" xmlns:p="http://schemas.openxmlformats.org/presentationml/2006/main" xmlns:m="http://schemas.openxmlformats.org/officeDocument/2006/math" xmlns:w="http://schemas.openxmlformats.org/wordprocessingml/2006/main">
+  <p:cSld name="">
+    <p:spTree>
+      <p:nvGrpSpPr>
+        <p:cNvPr id="1" name=""/>
+        <p:cNvGrpSpPr/>
+        <p:nvPr/>
+      </p:nvGrpSpPr>
+      <p:grpSpPr bwMode="auto">
+        <a:xfrm>
+          <a:off x="0" y="0"/>
+          <a:ext cx="0" cy="0"/>
+          <a:chOff x="0" y="0"/>
+          <a:chExt cx="0" cy="0"/>
+        </a:xfrm>
+      </p:grpSpPr>
+      <p:sp>
+        <p:nvSpPr>
+          <p:cNvPr id="386826483" name="Slide Image Placeholder 1"/>
+          <p:cNvSpPr>
+            <a:spLocks noChangeAspect="1" noGrp="1" noRot="1"/>
+          </p:cNvSpPr>
+          <p:nvPr>
+            <p:ph type="sldImg"/>
+          </p:nvPr>
+        </p:nvSpPr>
+        <p:spPr bwMode="auto"/>
+      </p:sp>
+      <p:sp>
+        <p:nvSpPr>
+          <p:cNvPr id="1033321921" name="Notes Placeholder 2"/>
+          <p:cNvSpPr>
+            <a:spLocks noGrp="1"/>
+          </p:cNvSpPr>
+          <p:nvPr>
+            <p:ph type="body" idx="1"/>
+          </p:nvPr>
+        </p:nvSpPr>
+        <p:spPr bwMode="auto"/>
+        <p:txBody>
+          <a:bodyPr/>
+          <a:lstStyle/>
+          <a:p>
+            <a:pPr>
+              <a:defRPr/>
+            </a:pPr>
+            <a:endParaRPr/>
+          </a:p>
+        </p:txBody>
+      </p:sp>
+      <p:sp>
+        <p:nvSpPr>
+          <p:cNvPr id="974173589" name="Slide Number Placeholder 3"/>
+          <p:cNvSpPr>
+            <a:spLocks noGrp="1"/>
+          </p:cNvSpPr>
+          <p:nvPr>
+            <p:ph type="sldNum" sz="quarter" idx="10"/>
+          </p:nvPr>
+        </p:nvSpPr>
+        <p:spPr bwMode="auto"/>
+        <p:txBody>
+          <a:bodyPr/>
+          <a:lstStyle/>
+          <a:p>
+            <a:pPr>
+              <a:defRPr/>
+            </a:pPr>
+            <a:fld id="{F8F4CC52-E452-AEE2-8BEF-63241F8DD6B3}" type="slidenum">
+              <a:rPr/>
+              <a:t/>
+            </a:fld>
+            <a:endParaRPr/>
+          </a:p>
+        </p:txBody>
+      </p:sp>
+    </p:spTree>
+  </p:cSld>
+</p:notes>
+</file>
+
+<file path=ppt/notesSlides/notesSlide31.xml><?xml version="1.0" encoding="utf-8"?>
+<p:notes xmlns:a="http://schemas.openxmlformats.org/drawingml/2006/main" xmlns:r="http://schemas.openxmlformats.org/officeDocument/2006/relationships" xmlns:p="http://schemas.openxmlformats.org/presentationml/2006/main" xmlns:m="http://schemas.openxmlformats.org/officeDocument/2006/math" xmlns:w="http://schemas.openxmlformats.org/wordprocessingml/2006/main">
+  <p:cSld name="">
+    <p:spTree>
+      <p:nvGrpSpPr>
+        <p:cNvPr id="1" name=""/>
+        <p:cNvGrpSpPr/>
+        <p:nvPr/>
+      </p:nvGrpSpPr>
+      <p:grpSpPr bwMode="auto">
+        <a:xfrm>
+          <a:off x="0" y="0"/>
+          <a:ext cx="0" cy="0"/>
+          <a:chOff x="0" y="0"/>
+          <a:chExt cx="0" cy="0"/>
+        </a:xfrm>
+      </p:grpSpPr>
+      <p:sp>
+        <p:nvSpPr>
+          <p:cNvPr id="2010653727" name="Slide Image Placeholder 1"/>
+          <p:cNvSpPr>
+            <a:spLocks noChangeAspect="1" noGrp="1" noRot="1"/>
+          </p:cNvSpPr>
+          <p:nvPr>
+            <p:ph type="sldImg"/>
+          </p:nvPr>
+        </p:nvSpPr>
+        <p:spPr bwMode="auto"/>
+      </p:sp>
+      <p:sp>
+        <p:nvSpPr>
+          <p:cNvPr id="2046281568" name="Notes Placeholder 2"/>
+          <p:cNvSpPr>
+            <a:spLocks noGrp="1"/>
+          </p:cNvSpPr>
+          <p:nvPr>
+            <p:ph type="body" idx="1"/>
+          </p:nvPr>
+        </p:nvSpPr>
+        <p:spPr bwMode="auto"/>
+        <p:txBody>
+          <a:bodyPr/>
+          <a:lstStyle/>
+          <a:p>
+            <a:pPr>
+              <a:defRPr/>
+            </a:pPr>
+            <a:endParaRPr/>
+          </a:p>
+        </p:txBody>
+      </p:sp>
+      <p:sp>
+        <p:nvSpPr>
+          <p:cNvPr id="886027443" name="Slide Number Placeholder 3"/>
+          <p:cNvSpPr>
+            <a:spLocks noGrp="1"/>
+          </p:cNvSpPr>
+          <p:nvPr>
+            <p:ph type="sldNum" sz="quarter" idx="10"/>
+          </p:nvPr>
+        </p:nvSpPr>
+        <p:spPr bwMode="auto"/>
+        <p:txBody>
+          <a:bodyPr/>
+          <a:lstStyle/>
+          <a:p>
+            <a:pPr>
+              <a:defRPr/>
+            </a:pPr>
+            <a:fld id="{0D39F179-1F6E-9901-E3DF-006DE6BB344C}" type="slidenum">
               <a:rPr/>
               <a:t/>
             </a:fld>
@@ -5760,8 +6175,8 @@
         </p:nvSpPr>
         <p:spPr bwMode="auto">
           <a:xfrm>
-            <a:off x="726807" y="780156"/>
-            <a:ext cx="10913909" cy="5578199"/>
+            <a:off x="726806" y="780156"/>
+            <a:ext cx="10914628" cy="5578199"/>
           </a:xfrm>
           <a:prstGeom prst="rect">
             <a:avLst/>
@@ -5783,7 +6198,7 @@
                   <a:schemeClr val="bg1"/>
                 </a:solidFill>
               </a:rPr>
-              <a:t>Sleep Dtages Prediction</a:t>
+              <a:t>Sleep Stages Prediction</a:t>
             </a:r>
             <a:endParaRPr lang="it-IT" sz="5400" b="1">
               <a:solidFill>
@@ -7079,7 +7494,7 @@
         </p:nvSpPr>
         <p:spPr bwMode="auto">
           <a:xfrm>
-            <a:off x="1648703" y="223470"/>
+            <a:off x="1648703" y="223469"/>
             <a:ext cx="9345611" cy="823320"/>
           </a:xfrm>
           <a:prstGeom prst="rect">
@@ -7574,7 +7989,7 @@
         </p:nvSpPr>
         <p:spPr bwMode="auto">
           <a:xfrm>
-            <a:off x="1648703" y="223470"/>
+            <a:off x="1648703" y="223469"/>
             <a:ext cx="9359651" cy="823320"/>
           </a:xfrm>
           <a:prstGeom prst="rect">
@@ -8594,7 +9009,7 @@
         </p:nvSpPr>
         <p:spPr bwMode="auto">
           <a:xfrm>
-            <a:off x="1648703" y="223470"/>
+            <a:off x="1648703" y="223469"/>
             <a:ext cx="9364691" cy="823320"/>
           </a:xfrm>
           <a:prstGeom prst="rect">
@@ -9367,7 +9782,7 @@
         </p:nvSpPr>
         <p:spPr bwMode="auto">
           <a:xfrm>
-            <a:off x="1648703" y="223470"/>
+            <a:off x="1648703" y="223469"/>
             <a:ext cx="9370450" cy="823320"/>
           </a:xfrm>
           <a:prstGeom prst="rect">
@@ -10068,7 +10483,7 @@
         <p:spPr bwMode="auto">
           <a:xfrm>
             <a:off x="1648703" y="223469"/>
-            <a:ext cx="9388810" cy="823320"/>
+            <a:ext cx="9388809" cy="823320"/>
           </a:xfrm>
           <a:prstGeom prst="rect">
             <a:avLst/>
@@ -17552,6 +17967,1873 @@
 </p:sld>
 </file>
 
+<file path=ppt/slides/slide27.xml><?xml version="1.0" encoding="utf-8"?>
+<p:sld xmlns:a="http://schemas.openxmlformats.org/drawingml/2006/main" xmlns:r="http://schemas.openxmlformats.org/officeDocument/2006/relationships" xmlns:p="http://schemas.openxmlformats.org/presentationml/2006/main" xmlns:m="http://schemas.openxmlformats.org/officeDocument/2006/math" xmlns:w="http://schemas.openxmlformats.org/wordprocessingml/2006/main" xmlns:mc="http://schemas.openxmlformats.org/markup-compatibility/2006" showMasterPhAnim="0" showMasterSp="1" show="1">
+  <p:cSld name="">
+    <p:spTree>
+      <p:nvGrpSpPr>
+        <p:cNvPr id="1" name=""/>
+        <p:cNvGrpSpPr/>
+        <p:nvPr/>
+      </p:nvGrpSpPr>
+      <p:grpSpPr bwMode="auto">
+        <a:xfrm>
+          <a:off x="0" y="0"/>
+          <a:ext cx="0" cy="0"/>
+          <a:chOff x="0" y="0"/>
+          <a:chExt cx="0" cy="0"/>
+        </a:xfrm>
+      </p:grpSpPr>
+    </p:spTree>
+  </p:cSld>
+  <p:clrMapOvr>
+    <a:masterClrMapping/>
+  </p:clrMapOvr>
+  <mc:AlternateContent xmlns:mc="http://schemas.openxmlformats.org/markup-compatibility/2006">
+    <mc:Choice xmlns:p159="http://schemas.microsoft.com/office/powerpoint/2015/09/main" xmlns:p14="http://schemas.microsoft.com/office/powerpoint/2010/main" Requires="p159">
+      <p:transition p14:dur="2000" advClick="1"/>
+    </mc:Choice>
+    <mc:Fallback>
+      <p:transition advClick="1"/>
+    </mc:Fallback>
+  </mc:AlternateContent>
+</p:sld>
+</file>
+
+<file path=ppt/slides/slide28.xml><?xml version="1.0" encoding="utf-8"?>
+<p:sld xmlns:a="http://schemas.openxmlformats.org/drawingml/2006/main" xmlns:r="http://schemas.openxmlformats.org/officeDocument/2006/relationships" xmlns:p="http://schemas.openxmlformats.org/presentationml/2006/main" xmlns:m="http://schemas.openxmlformats.org/officeDocument/2006/math" xmlns:w="http://schemas.openxmlformats.org/wordprocessingml/2006/main" xmlns:mc="http://schemas.openxmlformats.org/markup-compatibility/2006" showMasterPhAnim="0" showMasterSp="1" show="1">
+  <p:cSld name="">
+    <p:spTree>
+      <p:nvGrpSpPr>
+        <p:cNvPr id="1" name=""/>
+        <p:cNvGrpSpPr/>
+        <p:nvPr/>
+      </p:nvGrpSpPr>
+      <p:grpSpPr bwMode="auto">
+        <a:xfrm>
+          <a:off x="0" y="0"/>
+          <a:ext cx="0" cy="0"/>
+          <a:chOff x="0" y="0"/>
+          <a:chExt cx="0" cy="0"/>
+        </a:xfrm>
+      </p:grpSpPr>
+      <p:sp>
+        <p:nvSpPr>
+          <p:cNvPr id="1069061515" name="Rettangolo 8"/>
+          <p:cNvSpPr/>
+          <p:nvPr/>
+        </p:nvSpPr>
+        <p:spPr bwMode="auto">
+          <a:xfrm rot="11561658">
+            <a:off x="11394824" y="-1166341"/>
+            <a:ext cx="1101969" cy="8475781"/>
+          </a:xfrm>
+          <a:prstGeom prst="rect">
+            <a:avLst/>
+          </a:prstGeom>
+          <a:gradFill>
+            <a:gsLst>
+              <a:gs pos="0">
+                <a:srgbClr val="E2E2E2"/>
+              </a:gs>
+              <a:gs pos="100000">
+                <a:srgbClr val="FFFFFF"/>
+              </a:gs>
+            </a:gsLst>
+            <a:path path="circle"/>
+          </a:gradFill>
+          <a:ln>
+            <a:noFill/>
+          </a:ln>
+        </p:spPr>
+        <p:style>
+          <a:lnRef idx="2">
+            <a:schemeClr val="accent1">
+              <a:shade val="15000"/>
+            </a:schemeClr>
+          </a:lnRef>
+          <a:fillRef idx="1">
+            <a:schemeClr val="accent1"/>
+          </a:fillRef>
+          <a:effectRef idx="0">
+            <a:schemeClr val="accent1"/>
+          </a:effectRef>
+          <a:fontRef idx="minor">
+            <a:schemeClr val="lt1"/>
+          </a:fontRef>
+        </p:style>
+        <p:txBody>
+          <a:bodyPr rtlCol="0" anchor="ctr"/>
+          <a:lstStyle/>
+          <a:p>
+            <a:pPr algn="ctr">
+              <a:defRPr/>
+            </a:pPr>
+            <a:endParaRPr lang="it-IT"/>
+          </a:p>
+        </p:txBody>
+      </p:sp>
+      <p:sp>
+        <p:nvSpPr>
+          <p:cNvPr id="2144873766" name="Rettangolo 9"/>
+          <p:cNvSpPr/>
+          <p:nvPr/>
+        </p:nvSpPr>
+        <p:spPr bwMode="auto">
+          <a:xfrm rot="11561658">
+            <a:off x="11964600" y="158150"/>
+            <a:ext cx="1101969" cy="8475781"/>
+          </a:xfrm>
+          <a:prstGeom prst="rect">
+            <a:avLst/>
+          </a:prstGeom>
+          <a:gradFill>
+            <a:gsLst>
+              <a:gs pos="24000">
+                <a:srgbClr val="E2E2E2"/>
+              </a:gs>
+              <a:gs pos="100000">
+                <a:srgbClr val="F6F6F6"/>
+              </a:gs>
+            </a:gsLst>
+            <a:path path="circle"/>
+          </a:gradFill>
+          <a:ln>
+            <a:noFill/>
+          </a:ln>
+        </p:spPr>
+        <p:style>
+          <a:lnRef idx="2">
+            <a:schemeClr val="accent1">
+              <a:shade val="15000"/>
+            </a:schemeClr>
+          </a:lnRef>
+          <a:fillRef idx="1">
+            <a:schemeClr val="accent1"/>
+          </a:fillRef>
+          <a:effectRef idx="0">
+            <a:schemeClr val="accent1"/>
+          </a:effectRef>
+          <a:fontRef idx="minor">
+            <a:schemeClr val="lt1"/>
+          </a:fontRef>
+        </p:style>
+        <p:txBody>
+          <a:bodyPr rtlCol="0" anchor="ctr"/>
+          <a:lstStyle/>
+          <a:p>
+            <a:pPr algn="ctr">
+              <a:defRPr/>
+            </a:pPr>
+            <a:endParaRPr lang="it-IT"/>
+          </a:p>
+        </p:txBody>
+      </p:sp>
+      <p:sp>
+        <p:nvSpPr>
+          <p:cNvPr id="12012557" name="CasellaDiTesto 10"/>
+          <p:cNvSpPr txBox="1"/>
+          <p:nvPr/>
+        </p:nvSpPr>
+        <p:spPr bwMode="auto">
+          <a:xfrm>
+            <a:off x="1648701" y="223467"/>
+            <a:ext cx="9406089" cy="640440"/>
+          </a:xfrm>
+          <a:prstGeom prst="rect">
+            <a:avLst/>
+          </a:prstGeom>
+          <a:noFill/>
+        </p:spPr>
+        <p:txBody>
+          <a:bodyPr wrap="square" rtlCol="0">
+            <a:spAutoFit/>
+          </a:bodyPr>
+          <a:lstStyle/>
+          <a:p>
+            <a:pPr>
+              <a:defRPr/>
+            </a:pPr>
+            <a:r>
+              <a:rPr lang="it-IT" sz="3600" b="1">
+                <a:solidFill>
+                  <a:srgbClr val="019A3F"/>
+                </a:solidFill>
+              </a:rPr>
+              <a:t>Possibili domande: kohen’s cappa (0)</a:t>
+            </a:r>
+            <a:endParaRPr sz="1200">
+              <a:solidFill>
+                <a:srgbClr val="019A3F"/>
+              </a:solidFill>
+            </a:endParaRPr>
+          </a:p>
+        </p:txBody>
+      </p:sp>
+      <p:sp>
+        <p:nvSpPr>
+          <p:cNvPr id="540638606" name=""/>
+          <p:cNvSpPr txBox="1"/>
+          <p:nvPr/>
+        </p:nvSpPr>
+        <p:spPr bwMode="auto">
+          <a:xfrm flipH="0" flipV="0">
+            <a:off x="1775246" y="1047747"/>
+            <a:ext cx="9001122" cy="366117"/>
+          </a:xfrm>
+          <a:prstGeom prst="rect">
+            <a:avLst/>
+          </a:prstGeom>
+          <a:noFill/>
+        </p:spPr>
+        <p:txBody>
+          <a:bodyPr vertOverflow="overflow" horzOverflow="overflow" vert="horz" wrap="square" lIns="91440" tIns="45720" rIns="91440" bIns="45720" numCol="1" spcCol="0" rtlCol="0" fromWordArt="0" anchor="t" anchorCtr="0" forceAA="0" upright="0" compatLnSpc="0">
+            <a:spAutoFit/>
+          </a:bodyPr>
+          <a:p>
+            <a:pPr>
+              <a:defRPr/>
+            </a:pPr>
+            <a:endParaRPr/>
+          </a:p>
+        </p:txBody>
+      </p:sp>
+      <p:sp>
+        <p:nvSpPr>
+          <p:cNvPr id="639442563" name=""/>
+          <p:cNvSpPr txBox="1"/>
+          <p:nvPr/>
+        </p:nvSpPr>
+        <p:spPr bwMode="auto">
+          <a:xfrm flipH="0" flipV="0">
+            <a:off x="1612083" y="1071558"/>
+            <a:ext cx="9353284" cy="3370560"/>
+          </a:xfrm>
+          <a:prstGeom prst="rect">
+            <a:avLst/>
+          </a:prstGeom>
+          <a:noFill/>
+        </p:spPr>
+        <p:txBody>
+          <a:bodyPr vertOverflow="overflow" horzOverflow="overflow" vert="horz" wrap="square" lIns="91440" tIns="45720" rIns="91440" bIns="45720" numCol="1" spcCol="0" rtlCol="0" fromWordArt="0" anchor="t" anchorCtr="0" forceAA="0" upright="0" compatLnSpc="0">
+            <a:spAutoFit/>
+          </a:bodyPr>
+          <a:p>
+            <a:pPr>
+              <a:defRPr/>
+            </a:pPr>
+            <a:r>
+              <a:rPr lang="en-US" sz="1800" b="0" i="0" u="none" strike="noStrike" cap="none" spc="0">
+                <a:solidFill>
+                  <a:schemeClr val="tx1"/>
+                </a:solidFill>
+                <a:latin typeface="Aptos"/>
+                <a:ea typeface="Aptos"/>
+                <a:cs typeface="Aptos"/>
+              </a:rPr>
+              <a:t>Cohen's Kappa è una metrica statistica che </a:t>
+            </a:r>
+            <a:r>
+              <a:rPr lang="en-US" sz="1800" b="1" i="0" u="none" strike="noStrike" cap="none" spc="0">
+                <a:solidFill>
+                  <a:srgbClr val="18BE5A"/>
+                </a:solidFill>
+                <a:latin typeface="Aptos"/>
+                <a:ea typeface="Aptos"/>
+                <a:cs typeface="Aptos"/>
+              </a:rPr>
+              <a:t>misura il grado di accordo tra </a:t>
+            </a:r>
+            <a:r>
+              <a:rPr lang="it-IT" sz="1800" b="1" i="0" u="none" strike="noStrike" cap="none" spc="0">
+                <a:solidFill>
+                  <a:srgbClr val="18BE5A"/>
+                </a:solidFill>
+                <a:latin typeface="Aptos"/>
+                <a:ea typeface="Aptos"/>
+                <a:cs typeface="Aptos"/>
+              </a:rPr>
+              <a:t>un </a:t>
+            </a:r>
+            <a:r>
+              <a:rPr lang="en-US" sz="1800" b="1" i="0" u="none" strike="noStrike" cap="none" spc="0">
+                <a:solidFill>
+                  <a:srgbClr val="18BE5A"/>
+                </a:solidFill>
+                <a:latin typeface="Aptos"/>
+                <a:ea typeface="Aptos"/>
+                <a:cs typeface="Aptos"/>
+              </a:rPr>
+              <a:t>classificator</a:t>
+            </a:r>
+            <a:r>
+              <a:rPr lang="it-IT" sz="1800" b="1" i="0" u="none" strike="noStrike" cap="none" spc="0">
+                <a:solidFill>
+                  <a:srgbClr val="18BE5A"/>
+                </a:solidFill>
+                <a:latin typeface="Aptos"/>
+                <a:ea typeface="Aptos"/>
+                <a:cs typeface="Aptos"/>
+              </a:rPr>
+              <a:t>e ed un etichetta di riferimento</a:t>
+            </a:r>
+            <a:r>
+              <a:rPr lang="it-IT" sz="1800" b="0" i="0" u="none" strike="noStrike" cap="none" spc="0">
+                <a:solidFill>
+                  <a:schemeClr val="tx1"/>
+                </a:solidFill>
+                <a:latin typeface="Aptos"/>
+                <a:ea typeface="Aptos"/>
+                <a:cs typeface="Aptos"/>
+              </a:rPr>
+              <a:t> quando le </a:t>
+            </a:r>
+            <a:r>
+              <a:rPr lang="it-IT" sz="1800" b="1" i="0" u="none" strike="noStrike" cap="none" spc="0">
+                <a:solidFill>
+                  <a:srgbClr val="18BE5A"/>
+                </a:solidFill>
+                <a:latin typeface="Aptos"/>
+                <a:ea typeface="Aptos"/>
+                <a:cs typeface="Aptos"/>
+              </a:rPr>
+              <a:t>classi sono sbilanciate</a:t>
+            </a:r>
+            <a:r>
+              <a:rPr lang="it-IT" sz="1800" b="0" i="0" u="none" strike="noStrike" cap="none" spc="0">
+                <a:solidFill>
+                  <a:schemeClr val="tx1"/>
+                </a:solidFill>
+                <a:latin typeface="Aptos"/>
+                <a:ea typeface="Aptos"/>
+                <a:cs typeface="Aptos"/>
+              </a:rPr>
+              <a:t>, </a:t>
+            </a:r>
+            <a:r>
+              <a:rPr lang="en-US" sz="1800" b="0" i="0" u="none" strike="noStrike" cap="none" spc="0">
+                <a:solidFill>
+                  <a:schemeClr val="tx1"/>
+                </a:solidFill>
+                <a:latin typeface="Aptos"/>
+                <a:ea typeface="Aptos"/>
+                <a:cs typeface="Aptos"/>
+              </a:rPr>
+              <a:t>correggendo per l'accordo che potrebbe verificarsi per caso. È definita come:</a:t>
+            </a:r>
+            <a:endParaRPr lang="en-US" sz="1800" b="0" i="0" u="none" strike="noStrike" cap="none" spc="0">
+              <a:solidFill>
+                <a:schemeClr val="tx1"/>
+              </a:solidFill>
+              <a:latin typeface="Aptos"/>
+              <a:cs typeface="Aptos"/>
+            </a:endParaRPr>
+          </a:p>
+          <a:p>
+            <a:pPr>
+              <a:defRPr/>
+            </a:pPr>
+            <a:endParaRPr lang="en-US" sz="1800" b="0" i="0" u="none" strike="noStrike" cap="none" spc="0">
+              <a:solidFill>
+                <a:schemeClr val="tx1"/>
+              </a:solidFill>
+              <a:latin typeface="Aptos"/>
+              <a:cs typeface="Aptos"/>
+            </a:endParaRPr>
+          </a:p>
+          <a:p>
+            <a:pPr>
+              <a:defRPr/>
+            </a:pPr>
+            <mc:AlternateContent xmlns:mc="http://schemas.openxmlformats.org/markup-compatibility/2006" xmlns:m="http://schemas.openxmlformats.org/officeDocument/2006/math">
+              <mc:Choice xmlns:a14="http://schemas.microsoft.com/office/drawing/2010/main" Requires="a14">
+                <a14:m>
+                  <m:oMathPara>
+                    <m:oMathParaPr/>
+                    <m:oMath>
+                      <m:r>
+                        <m:rPr>
+                          <m:sty m:val="p"/>
+                        </m:rPr>
+                        <a:rPr lang="en-US" sz="1800" u="none" strike="noStrike" cap="none" spc="0">
+                          <a:solidFill>
+                            <a:schemeClr val="tx1"/>
+                          </a:solidFill>
+                          <a:latin typeface="Cambria Math"/>
+                          <a:ea typeface="Cambria Math"/>
+                          <a:cs typeface="Cambria Math"/>
+                        </a:rPr>
+                        <m:t>κ=</m:t>
+                      </m:r>
+                      <m:f>
+                        <m:fPr>
+                          <m:ctrlPr>
+                            <a:rPr lang="en-US" sz="1800" b="0" i="1" u="none" strike="noStrike" cap="none" spc="0">
+                              <a:solidFill>
+                                <a:schemeClr val="tx1"/>
+                              </a:solidFill>
+                              <a:latin typeface="Cambria Math"/>
+                              <a:ea typeface="Cambria Math"/>
+                              <a:cs typeface="Cambria Math"/>
+                            </a:rPr>
+                          </m:ctrlPr>
+                        </m:fPr>
+                        <m:num>
+                          <m:sSub>
+                            <m:sSubPr>
+                              <m:ctrlPr>
+                                <a:rPr lang="en-US" sz="1800" b="0" i="1" u="none" strike="noStrike" cap="none" spc="0">
+                                  <a:solidFill>
+                                    <a:schemeClr val="tx1"/>
+                                  </a:solidFill>
+                                  <a:latin typeface="Cambria Math"/>
+                                  <a:ea typeface="Cambria Math"/>
+                                  <a:cs typeface="Cambria Math"/>
+                                </a:rPr>
+                              </m:ctrlPr>
+                            </m:sSubPr>
+                            <m:e>
+                              <m:r>
+                                <m:rPr>
+                                  <m:sty m:val="i"/>
+                                </m:rPr>
+                                <a:rPr lang="en-US" sz="1800" u="none" strike="noStrike" cap="none" spc="0">
+                                  <a:solidFill>
+                                    <a:schemeClr val="tx1"/>
+                                  </a:solidFill>
+                                  <a:latin typeface="Cambria Math"/>
+                                  <a:ea typeface="Cambria Math"/>
+                                  <a:cs typeface="Cambria Math"/>
+                                </a:rPr>
+                                <m:t>p</m:t>
+                              </m:r>
+                            </m:e>
+                            <m:sub>
+                              <m:r>
+                                <m:rPr>
+                                  <m:sty m:val="i"/>
+                                </m:rPr>
+                                <a:rPr lang="en-US" sz="1800" u="none" strike="noStrike" cap="none" spc="0">
+                                  <a:solidFill>
+                                    <a:schemeClr val="tx1"/>
+                                  </a:solidFill>
+                                  <a:latin typeface="Cambria Math"/>
+                                  <a:ea typeface="Cambria Math"/>
+                                  <a:cs typeface="Cambria Math"/>
+                                </a:rPr>
+                                <m:t>o</m:t>
+                              </m:r>
+                            </m:sub>
+                          </m:sSub>
+                          <m:r>
+                            <m:rPr>
+                              <m:sty m:val="p"/>
+                            </m:rPr>
+                            <a:rPr lang="en-US" sz="1800" u="none" strike="noStrike" cap="none" spc="0">
+                              <a:solidFill>
+                                <a:schemeClr val="tx1"/>
+                              </a:solidFill>
+                              <a:latin typeface="Cambria Math"/>
+                              <a:ea typeface="Cambria Math"/>
+                              <a:cs typeface="Cambria Math"/>
+                            </a:rPr>
+                            <m:t>−</m:t>
+                          </m:r>
+                          <m:sSub>
+                            <m:sSubPr>
+                              <m:ctrlPr>
+                                <a:rPr lang="en-US" sz="1800" b="0" i="1" u="none" strike="noStrike" cap="none" spc="0">
+                                  <a:solidFill>
+                                    <a:schemeClr val="tx1"/>
+                                  </a:solidFill>
+                                  <a:latin typeface="Cambria Math"/>
+                                  <a:ea typeface="Cambria Math"/>
+                                  <a:cs typeface="Cambria Math"/>
+                                </a:rPr>
+                              </m:ctrlPr>
+                            </m:sSubPr>
+                            <m:e>
+                              <m:r>
+                                <m:rPr>
+                                  <m:sty m:val="i"/>
+                                </m:rPr>
+                                <a:rPr lang="en-US" sz="1800" u="none" strike="noStrike" cap="none" spc="0">
+                                  <a:solidFill>
+                                    <a:schemeClr val="tx1"/>
+                                  </a:solidFill>
+                                  <a:latin typeface="Cambria Math"/>
+                                  <a:ea typeface="Cambria Math"/>
+                                  <a:cs typeface="Cambria Math"/>
+                                </a:rPr>
+                                <m:t>p</m:t>
+                              </m:r>
+                            </m:e>
+                            <m:sub>
+                              <m:r>
+                                <m:rPr>
+                                  <m:sty m:val="i"/>
+                                </m:rPr>
+                                <a:rPr lang="en-US" sz="1800" u="none" strike="noStrike" cap="none" spc="0">
+                                  <a:solidFill>
+                                    <a:schemeClr val="tx1"/>
+                                  </a:solidFill>
+                                  <a:latin typeface="Cambria Math"/>
+                                  <a:ea typeface="Cambria Math"/>
+                                  <a:cs typeface="Cambria Math"/>
+                                </a:rPr>
+                                <m:t>e</m:t>
+                              </m:r>
+                            </m:sub>
+                          </m:sSub>
+                        </m:num>
+                        <m:den>
+                          <m:r>
+                            <m:rPr>
+                              <m:sty m:val="p"/>
+                            </m:rPr>
+                            <a:rPr lang="en-US" sz="1800" u="none" strike="noStrike" cap="none" spc="0">
+                              <a:solidFill>
+                                <a:schemeClr val="tx1"/>
+                              </a:solidFill>
+                              <a:latin typeface="Cambria Math"/>
+                              <a:ea typeface="Cambria Math"/>
+                              <a:cs typeface="Cambria Math"/>
+                            </a:rPr>
+                            <m:t>1−</m:t>
+                          </m:r>
+                          <m:sSub>
+                            <m:sSubPr>
+                              <m:ctrlPr>
+                                <a:rPr lang="en-US" sz="1800" b="0" i="1" u="none" strike="noStrike" cap="none" spc="0">
+                                  <a:solidFill>
+                                    <a:schemeClr val="tx1"/>
+                                  </a:solidFill>
+                                  <a:latin typeface="Cambria Math"/>
+                                  <a:ea typeface="Cambria Math"/>
+                                  <a:cs typeface="Cambria Math"/>
+                                </a:rPr>
+                              </m:ctrlPr>
+                            </m:sSubPr>
+                            <m:e>
+                              <m:r>
+                                <m:rPr>
+                                  <m:sty m:val="i"/>
+                                </m:rPr>
+                                <a:rPr lang="en-US" sz="1800" u="none" strike="noStrike" cap="none" spc="0">
+                                  <a:solidFill>
+                                    <a:schemeClr val="tx1"/>
+                                  </a:solidFill>
+                                  <a:latin typeface="Cambria Math"/>
+                                  <a:ea typeface="Cambria Math"/>
+                                  <a:cs typeface="Cambria Math"/>
+                                </a:rPr>
+                                <m:t>p</m:t>
+                              </m:r>
+                            </m:e>
+                            <m:sub>
+                              <m:r>
+                                <m:rPr>
+                                  <m:sty m:val="i"/>
+                                </m:rPr>
+                                <a:rPr lang="en-US" sz="1800" u="none" strike="noStrike" cap="none" spc="0">
+                                  <a:solidFill>
+                                    <a:schemeClr val="tx1"/>
+                                  </a:solidFill>
+                                  <a:latin typeface="Cambria Math"/>
+                                  <a:ea typeface="Cambria Math"/>
+                                  <a:cs typeface="Cambria Math"/>
+                                </a:rPr>
+                                <m:t>e</m:t>
+                              </m:r>
+                            </m:sub>
+                          </m:sSub>
+                        </m:den>
+                      </m:f>
+                    </m:oMath>
+                  </m:oMathPara>
+                </a14:m>
+              </mc:Choice>
+              <mc:Fallback/>
+            </mc:AlternateContent>
+            <a:endParaRPr lang="en-US" sz="1800" b="0" i="0" u="none" strike="noStrike" cap="none" spc="0">
+              <a:solidFill>
+                <a:schemeClr val="tx1"/>
+              </a:solidFill>
+              <a:latin typeface="Aptos"/>
+              <a:ea typeface="Aptos"/>
+              <a:cs typeface="Aptos"/>
+            </a:endParaRPr>
+          </a:p>
+          <a:p>
+            <a:pPr>
+              <a:defRPr/>
+            </a:pPr>
+            <a:endParaRPr lang="en-US" sz="1800" b="0" i="0" u="none" strike="noStrike" cap="none" spc="0">
+              <a:solidFill>
+                <a:schemeClr val="tx1"/>
+              </a:solidFill>
+              <a:latin typeface="Aptos"/>
+              <a:cs typeface="Aptos"/>
+            </a:endParaRPr>
+          </a:p>
+          <a:p>
+            <a:pPr>
+              <a:defRPr/>
+            </a:pPr>
+            <a:r>
+              <a:rPr lang="en-US" sz="1800" b="0" i="0" u="none" strike="noStrike" cap="none" spc="0">
+                <a:solidFill>
+                  <a:schemeClr val="tx1"/>
+                </a:solidFill>
+                <a:latin typeface="Aptos"/>
+                <a:ea typeface="Aptos"/>
+                <a:cs typeface="Aptos"/>
+              </a:rPr>
+              <a:t>dove:</a:t>
+            </a:r>
+            <a:endParaRPr lang="en-US" sz="1800" b="0" i="0" u="none" strike="noStrike" cap="none" spc="0">
+              <a:solidFill>
+                <a:schemeClr val="tx1"/>
+              </a:solidFill>
+              <a:latin typeface="Aptos"/>
+              <a:cs typeface="Aptos"/>
+            </a:endParaRPr>
+          </a:p>
+          <a:p>
+            <a:pPr marL="283879" indent="-283879">
+              <a:buFont typeface="Arial"/>
+              <a:buChar char="•"/>
+              <a:defRPr/>
+            </a:pPr>
+            <mc:AlternateContent xmlns:mc="http://schemas.openxmlformats.org/markup-compatibility/2006" xmlns:m="http://schemas.openxmlformats.org/officeDocument/2006/math">
+              <mc:Choice xmlns:a14="http://schemas.microsoft.com/office/drawing/2010/main" Requires="a14">
+                <a14:m>
+                  <m:oMathPara>
+                    <m:oMathParaPr/>
+                    <m:oMath>
+                      <m:sSub>
+                        <m:sSubPr>
+                          <m:ctrlPr>
+                            <a:rPr lang="en-US" sz="1800" b="0" i="1" u="none" strike="noStrike" cap="none" spc="0">
+                              <a:solidFill>
+                                <a:schemeClr val="tx1"/>
+                              </a:solidFill>
+                              <a:latin typeface="Cambria Math"/>
+                              <a:ea typeface="Cambria Math"/>
+                              <a:cs typeface="Cambria Math"/>
+                            </a:rPr>
+                          </m:ctrlPr>
+                        </m:sSubPr>
+                        <m:e>
+                          <m:r>
+                            <m:rPr>
+                              <m:sty m:val="i"/>
+                            </m:rPr>
+                            <a:rPr lang="en-US" sz="1800" u="none" strike="noStrike" cap="none" spc="0">
+                              <a:solidFill>
+                                <a:schemeClr val="tx1"/>
+                              </a:solidFill>
+                              <a:latin typeface="Cambria Math"/>
+                              <a:ea typeface="Cambria Math"/>
+                              <a:cs typeface="Cambria Math"/>
+                            </a:rPr>
+                            <m:t>p</m:t>
+                          </m:r>
+                        </m:e>
+                        <m:sub>
+                          <m:r>
+                            <m:rPr>
+                              <m:sty m:val="i"/>
+                            </m:rPr>
+                            <a:rPr lang="en-US" sz="1800" u="none" strike="noStrike" cap="none" spc="0">
+                              <a:solidFill>
+                                <a:schemeClr val="tx1"/>
+                              </a:solidFill>
+                              <a:latin typeface="Cambria Math"/>
+                              <a:ea typeface="Cambria Math"/>
+                              <a:cs typeface="Cambria Math"/>
+                            </a:rPr>
+                            <m:t>o</m:t>
+                          </m:r>
+                        </m:sub>
+                      </m:sSub>
+                    </m:oMath>
+                  </m:oMathPara>
+                </a14:m>
+              </mc:Choice>
+              <mc:Fallback/>
+            </mc:AlternateContent>
+            <a:r>
+              <a:rPr lang="en-US" sz="1800" b="0" i="0" u="none" strike="noStrike" cap="none" spc="0">
+                <a:solidFill>
+                  <a:schemeClr val="tx1"/>
+                </a:solidFill>
+                <a:latin typeface="Aptos"/>
+                <a:ea typeface="Aptos"/>
+                <a:cs typeface="Aptos"/>
+              </a:rPr>
+              <a:t> è la proporzione di accordo osservato (cioè, la frazione di volte in cui i </a:t>
+            </a:r>
+            <a:r>
+              <a:rPr lang="it-IT" sz="1800" b="0" i="0" u="none" strike="noStrike" cap="none" spc="0">
+                <a:solidFill>
+                  <a:schemeClr val="tx1"/>
+                </a:solidFill>
+                <a:latin typeface="Aptos"/>
+                <a:ea typeface="Aptos"/>
+                <a:cs typeface="Aptos"/>
+              </a:rPr>
+              <a:t>classificatore ed etichetta coincidono</a:t>
+            </a:r>
+            <a:r>
+              <a:rPr lang="en-US" sz="1800" b="0" i="0" u="none" strike="noStrike" cap="none" spc="0">
+                <a:solidFill>
+                  <a:schemeClr val="tx1"/>
+                </a:solidFill>
+                <a:latin typeface="Aptos"/>
+                <a:ea typeface="Aptos"/>
+                <a:cs typeface="Aptos"/>
+              </a:rPr>
+              <a:t>),</a:t>
+            </a:r>
+            <a:endParaRPr lang="en-US" sz="1800" b="0" i="0" u="none" strike="noStrike" cap="none" spc="0">
+              <a:solidFill>
+                <a:schemeClr val="tx1"/>
+              </a:solidFill>
+              <a:latin typeface="Aptos"/>
+              <a:cs typeface="Aptos"/>
+            </a:endParaRPr>
+          </a:p>
+          <a:p>
+            <a:pPr marL="283879" indent="-283879">
+              <a:buFont typeface="Arial"/>
+              <a:buChar char="•"/>
+              <a:defRPr/>
+            </a:pPr>
+            <mc:AlternateContent xmlns:mc="http://schemas.openxmlformats.org/markup-compatibility/2006" xmlns:m="http://schemas.openxmlformats.org/officeDocument/2006/math">
+              <mc:Choice xmlns:a14="http://schemas.microsoft.com/office/drawing/2010/main" Requires="a14">
+                <a14:m>
+                  <m:oMathPara>
+                    <m:oMathParaPr/>
+                    <m:oMath>
+                      <m:sSub>
+                        <m:sSubPr>
+                          <m:ctrlPr>
+                            <a:rPr lang="en-US" sz="1800" b="0" i="1" u="none" strike="noStrike" cap="none" spc="0">
+                              <a:solidFill>
+                                <a:schemeClr val="tx1"/>
+                              </a:solidFill>
+                              <a:latin typeface="Cambria Math"/>
+                              <a:ea typeface="Cambria Math"/>
+                              <a:cs typeface="Cambria Math"/>
+                            </a:rPr>
+                          </m:ctrlPr>
+                        </m:sSubPr>
+                        <m:e>
+                          <m:r>
+                            <m:rPr>
+                              <m:sty m:val="i"/>
+                            </m:rPr>
+                            <a:rPr lang="en-US" sz="1800" u="none" strike="noStrike" cap="none" spc="0">
+                              <a:solidFill>
+                                <a:schemeClr val="tx1"/>
+                              </a:solidFill>
+                              <a:latin typeface="Cambria Math"/>
+                              <a:ea typeface="Cambria Math"/>
+                              <a:cs typeface="Cambria Math"/>
+                            </a:rPr>
+                            <m:t>p</m:t>
+                          </m:r>
+                        </m:e>
+                        <m:sub>
+                          <m:r>
+                            <m:rPr>
+                              <m:sty m:val="i"/>
+                            </m:rPr>
+                            <a:rPr lang="en-US" sz="1800" u="none" strike="noStrike" cap="none" spc="0">
+                              <a:solidFill>
+                                <a:schemeClr val="tx1"/>
+                              </a:solidFill>
+                              <a:latin typeface="Cambria Math"/>
+                              <a:ea typeface="Cambria Math"/>
+                              <a:cs typeface="Cambria Math"/>
+                            </a:rPr>
+                            <m:t>e</m:t>
+                          </m:r>
+                        </m:sub>
+                      </m:sSub>
+                    </m:oMath>
+                  </m:oMathPara>
+                </a14:m>
+              </mc:Choice>
+              <mc:Fallback/>
+            </mc:AlternateContent>
+            <a:r>
+              <a:rPr lang="en-US" sz="1800" b="0" i="0" u="none" strike="noStrike" cap="none" spc="0">
+                <a:solidFill>
+                  <a:schemeClr val="tx1"/>
+                </a:solidFill>
+                <a:latin typeface="Aptos"/>
+                <a:ea typeface="Aptos"/>
+                <a:cs typeface="Aptos"/>
+              </a:rPr>
+              <a:t>​ è la proporzione di accordo atteso per caso (calcolata in base alle distribuzioni marginali delle etichette assegnate).</a:t>
+            </a:r>
+            <a:endParaRPr/>
+          </a:p>
+        </p:txBody>
+      </p:sp>
+      <p:sp>
+        <p:nvSpPr>
+          <p:cNvPr id="1115921659" name="Rettangolo 4"/>
+          <p:cNvSpPr/>
+          <p:nvPr/>
+        </p:nvSpPr>
+        <p:spPr bwMode="auto">
+          <a:xfrm rot="761632">
+            <a:off x="-26572" y="-990495"/>
+            <a:ext cx="1101969" cy="8475781"/>
+          </a:xfrm>
+          <a:prstGeom prst="rect">
+            <a:avLst/>
+          </a:prstGeom>
+          <a:gradFill>
+            <a:gsLst>
+              <a:gs pos="0">
+                <a:srgbClr val="E2E2E2"/>
+              </a:gs>
+              <a:gs pos="100000">
+                <a:srgbClr val="FFFFFF"/>
+              </a:gs>
+            </a:gsLst>
+            <a:path path="circle"/>
+          </a:gradFill>
+          <a:ln>
+            <a:noFill/>
+          </a:ln>
+        </p:spPr>
+        <p:style>
+          <a:lnRef idx="2">
+            <a:schemeClr val="accent1">
+              <a:shade val="15000"/>
+            </a:schemeClr>
+          </a:lnRef>
+          <a:fillRef idx="1">
+            <a:schemeClr val="accent1"/>
+          </a:fillRef>
+          <a:effectRef idx="0">
+            <a:schemeClr val="accent1"/>
+          </a:effectRef>
+          <a:fontRef idx="minor">
+            <a:schemeClr val="lt1"/>
+          </a:fontRef>
+        </p:style>
+        <p:txBody>
+          <a:bodyPr rtlCol="0" anchor="ctr"/>
+          <a:lstStyle/>
+          <a:p>
+            <a:pPr algn="ctr">
+              <a:defRPr/>
+            </a:pPr>
+            <a:endParaRPr lang="it-IT"/>
+          </a:p>
+        </p:txBody>
+      </p:sp>
+      <p:sp>
+        <p:nvSpPr>
+          <p:cNvPr id="1772327553" name="Rettangolo 1"/>
+          <p:cNvSpPr/>
+          <p:nvPr/>
+        </p:nvSpPr>
+        <p:spPr bwMode="auto">
+          <a:xfrm rot="761632">
+            <a:off x="-788571" y="-1635256"/>
+            <a:ext cx="1101969" cy="8475781"/>
+          </a:xfrm>
+          <a:prstGeom prst="rect">
+            <a:avLst/>
+          </a:prstGeom>
+          <a:gradFill>
+            <a:gsLst>
+              <a:gs pos="50000">
+                <a:srgbClr val="019A3F"/>
+              </a:gs>
+              <a:gs pos="100000">
+                <a:srgbClr val="18BE5A"/>
+              </a:gs>
+            </a:gsLst>
+            <a:path path="circle"/>
+          </a:gradFill>
+          <a:ln>
+            <a:noFill/>
+          </a:ln>
+        </p:spPr>
+        <p:style>
+          <a:lnRef idx="2">
+            <a:schemeClr val="accent1">
+              <a:shade val="15000"/>
+            </a:schemeClr>
+          </a:lnRef>
+          <a:fillRef idx="1">
+            <a:schemeClr val="accent1"/>
+          </a:fillRef>
+          <a:effectRef idx="0">
+            <a:schemeClr val="accent1"/>
+          </a:effectRef>
+          <a:fontRef idx="minor">
+            <a:schemeClr val="lt1"/>
+          </a:fontRef>
+        </p:style>
+        <p:txBody>
+          <a:bodyPr rtlCol="0" anchor="ctr"/>
+          <a:lstStyle/>
+          <a:p>
+            <a:pPr algn="ctr">
+              <a:defRPr/>
+            </a:pPr>
+            <a:endParaRPr lang="it-IT"/>
+          </a:p>
+        </p:txBody>
+      </p:sp>
+    </p:spTree>
+  </p:cSld>
+  <p:clrMapOvr>
+    <a:masterClrMapping/>
+  </p:clrMapOvr>
+  <mc:AlternateContent xmlns:mc="http://schemas.openxmlformats.org/markup-compatibility/2006">
+    <mc:Choice xmlns:p159="http://schemas.microsoft.com/office/powerpoint/2015/09/main" xmlns:p14="http://schemas.microsoft.com/office/powerpoint/2010/main" Requires="p159">
+      <p:transition p14:dur="2000" advClick="1"/>
+    </mc:Choice>
+    <mc:Fallback>
+      <p:transition advClick="1"/>
+    </mc:Fallback>
+  </mc:AlternateContent>
+</p:sld>
+</file>
+
+<file path=ppt/slides/slide29.xml><?xml version="1.0" encoding="utf-8"?>
+<p:sld xmlns:a="http://schemas.openxmlformats.org/drawingml/2006/main" xmlns:r="http://schemas.openxmlformats.org/officeDocument/2006/relationships" xmlns:p="http://schemas.openxmlformats.org/presentationml/2006/main" xmlns:m="http://schemas.openxmlformats.org/officeDocument/2006/math" xmlns:w="http://schemas.openxmlformats.org/wordprocessingml/2006/main" xmlns:mc="http://schemas.openxmlformats.org/markup-compatibility/2006" showMasterPhAnim="0" showMasterSp="1" show="1">
+  <p:cSld name="">
+    <p:spTree>
+      <p:nvGrpSpPr>
+        <p:cNvPr id="1" name=""/>
+        <p:cNvGrpSpPr/>
+        <p:nvPr/>
+      </p:nvGrpSpPr>
+      <p:grpSpPr bwMode="auto">
+        <a:xfrm>
+          <a:off x="0" y="0"/>
+          <a:ext cx="0" cy="0"/>
+          <a:chOff x="0" y="0"/>
+          <a:chExt cx="0" cy="0"/>
+        </a:xfrm>
+      </p:grpSpPr>
+      <p:sp>
+        <p:nvSpPr>
+          <p:cNvPr id="1182803173" name="Rettangolo 8"/>
+          <p:cNvSpPr/>
+          <p:nvPr/>
+        </p:nvSpPr>
+        <p:spPr bwMode="auto">
+          <a:xfrm rot="11561691">
+            <a:off x="11394824" y="-1166342"/>
+            <a:ext cx="1101969" cy="8475782"/>
+          </a:xfrm>
+          <a:prstGeom prst="rect">
+            <a:avLst/>
+          </a:prstGeom>
+          <a:gradFill>
+            <a:gsLst>
+              <a:gs pos="0">
+                <a:srgbClr val="E2E2E2"/>
+              </a:gs>
+              <a:gs pos="100000">
+                <a:srgbClr val="FFFFFF"/>
+              </a:gs>
+            </a:gsLst>
+            <a:path path="circle"/>
+          </a:gradFill>
+          <a:ln>
+            <a:noFill/>
+          </a:ln>
+        </p:spPr>
+        <p:style>
+          <a:lnRef idx="2">
+            <a:schemeClr val="accent1">
+              <a:shade val="15000"/>
+            </a:schemeClr>
+          </a:lnRef>
+          <a:fillRef idx="1">
+            <a:schemeClr val="accent1"/>
+          </a:fillRef>
+          <a:effectRef idx="0">
+            <a:schemeClr val="accent1"/>
+          </a:effectRef>
+          <a:fontRef idx="minor">
+            <a:schemeClr val="lt1"/>
+          </a:fontRef>
+        </p:style>
+        <p:txBody>
+          <a:bodyPr rtlCol="0" anchor="ctr"/>
+          <a:lstStyle/>
+          <a:p>
+            <a:pPr algn="ctr">
+              <a:defRPr/>
+            </a:pPr>
+            <a:endParaRPr lang="it-IT"/>
+          </a:p>
+        </p:txBody>
+      </p:sp>
+      <p:sp>
+        <p:nvSpPr>
+          <p:cNvPr id="205118350" name="Rettangolo 9"/>
+          <p:cNvSpPr/>
+          <p:nvPr/>
+        </p:nvSpPr>
+        <p:spPr bwMode="auto">
+          <a:xfrm rot="11561691">
+            <a:off x="11964600" y="158151"/>
+            <a:ext cx="1101969" cy="8475782"/>
+          </a:xfrm>
+          <a:prstGeom prst="rect">
+            <a:avLst/>
+          </a:prstGeom>
+          <a:gradFill>
+            <a:gsLst>
+              <a:gs pos="24000">
+                <a:srgbClr val="E2E2E2"/>
+              </a:gs>
+              <a:gs pos="100000">
+                <a:srgbClr val="F6F6F6"/>
+              </a:gs>
+            </a:gsLst>
+            <a:path path="circle"/>
+          </a:gradFill>
+          <a:ln>
+            <a:noFill/>
+          </a:ln>
+        </p:spPr>
+        <p:style>
+          <a:lnRef idx="2">
+            <a:schemeClr val="accent1">
+              <a:shade val="15000"/>
+            </a:schemeClr>
+          </a:lnRef>
+          <a:fillRef idx="1">
+            <a:schemeClr val="accent1"/>
+          </a:fillRef>
+          <a:effectRef idx="0">
+            <a:schemeClr val="accent1"/>
+          </a:effectRef>
+          <a:fontRef idx="minor">
+            <a:schemeClr val="lt1"/>
+          </a:fontRef>
+        </p:style>
+        <p:txBody>
+          <a:bodyPr rtlCol="0" anchor="ctr"/>
+          <a:lstStyle/>
+          <a:p>
+            <a:pPr algn="ctr">
+              <a:defRPr/>
+            </a:pPr>
+            <a:endParaRPr lang="it-IT"/>
+          </a:p>
+        </p:txBody>
+      </p:sp>
+      <p:sp>
+        <p:nvSpPr>
+          <p:cNvPr id="1729102789" name="CasellaDiTesto 10"/>
+          <p:cNvSpPr txBox="1"/>
+          <p:nvPr/>
+        </p:nvSpPr>
+        <p:spPr bwMode="auto">
+          <a:xfrm>
+            <a:off x="1648702" y="223468"/>
+            <a:ext cx="9398529" cy="823320"/>
+          </a:xfrm>
+          <a:prstGeom prst="rect">
+            <a:avLst/>
+          </a:prstGeom>
+          <a:noFill/>
+        </p:spPr>
+        <p:txBody>
+          <a:bodyPr wrap="square" rtlCol="0">
+            <a:spAutoFit/>
+          </a:bodyPr>
+          <a:lstStyle/>
+          <a:p>
+            <a:pPr>
+              <a:defRPr/>
+            </a:pPr>
+            <a:r>
+              <a:rPr lang="it-IT" sz="4800" b="1">
+                <a:solidFill>
+                  <a:srgbClr val="019A3F"/>
+                </a:solidFill>
+              </a:rPr>
+              <a:t>Possibili domande: PSD (1)</a:t>
+            </a:r>
+            <a:endParaRPr sz="1400">
+              <a:solidFill>
+                <a:srgbClr val="019A3F"/>
+              </a:solidFill>
+            </a:endParaRPr>
+          </a:p>
+        </p:txBody>
+      </p:sp>
+      <p:sp>
+        <p:nvSpPr>
+          <p:cNvPr id="1745316318" name=""/>
+          <p:cNvSpPr txBox="1"/>
+          <p:nvPr/>
+        </p:nvSpPr>
+        <p:spPr bwMode="auto">
+          <a:xfrm flipH="0" flipV="0">
+            <a:off x="1775247" y="1047748"/>
+            <a:ext cx="9001123" cy="366118"/>
+          </a:xfrm>
+          <a:prstGeom prst="rect">
+            <a:avLst/>
+          </a:prstGeom>
+          <a:noFill/>
+        </p:spPr>
+        <p:txBody>
+          <a:bodyPr vertOverflow="overflow" horzOverflow="overflow" vert="horz" wrap="square" lIns="91440" tIns="45720" rIns="91440" bIns="45720" numCol="1" spcCol="0" rtlCol="0" fromWordArt="0" anchor="t" anchorCtr="0" forceAA="0" upright="0" compatLnSpc="0">
+            <a:spAutoFit/>
+          </a:bodyPr>
+          <a:p>
+            <a:pPr>
+              <a:defRPr/>
+            </a:pPr>
+            <a:endParaRPr/>
+          </a:p>
+        </p:txBody>
+      </p:sp>
+      <p:sp>
+        <p:nvSpPr>
+          <p:cNvPr id="1754088420" name=""/>
+          <p:cNvSpPr txBox="1"/>
+          <p:nvPr/>
+        </p:nvSpPr>
+        <p:spPr bwMode="auto">
+          <a:xfrm flipH="0" flipV="0">
+            <a:off x="1612084" y="1071559"/>
+            <a:ext cx="9270485" cy="4228059"/>
+          </a:xfrm>
+          <a:prstGeom prst="rect">
+            <a:avLst/>
+          </a:prstGeom>
+          <a:noFill/>
+        </p:spPr>
+        <p:txBody>
+          <a:bodyPr vertOverflow="overflow" horzOverflow="overflow" vert="horz" wrap="square" lIns="91440" tIns="45720" rIns="91440" bIns="45720" numCol="1" spcCol="0" rtlCol="0" fromWordArt="0" anchor="t" anchorCtr="0" forceAA="0" upright="0" compatLnSpc="0">
+            <a:spAutoFit/>
+          </a:bodyPr>
+          <a:p>
+            <a:pPr>
+              <a:defRPr/>
+            </a:pPr>
+            <a:r>
+              <a:rPr lang="en-US" sz="1800" b="0" i="0" u="none" strike="noStrike" cap="none" spc="0">
+                <a:solidFill>
+                  <a:schemeClr val="tx1"/>
+                </a:solidFill>
+                <a:latin typeface="Aptos"/>
+                <a:ea typeface="Aptos"/>
+                <a:cs typeface="Aptos"/>
+              </a:rPr>
+              <a:t>La Power Spectral Density (PSD) è una misura che descrive come la potenza di un segnale è distribuita sulle diverse frequenze. In pratica, </a:t>
+            </a:r>
+            <a:r>
+              <a:rPr lang="en-US" sz="1800" b="1" i="0" u="none" strike="noStrike" cap="none" spc="0">
+                <a:solidFill>
+                  <a:srgbClr val="00B050"/>
+                </a:solidFill>
+                <a:latin typeface="Aptos"/>
+                <a:ea typeface="Aptos"/>
+                <a:cs typeface="Aptos"/>
+              </a:rPr>
+              <a:t>fornisce informazioni su quali frequenze contengono più energia nel segnale</a:t>
+            </a:r>
+            <a:r>
+              <a:rPr lang="en-US" sz="1800" b="0" i="0" u="none" strike="noStrike" cap="none" spc="0">
+                <a:solidFill>
+                  <a:schemeClr val="tx1"/>
+                </a:solidFill>
+                <a:latin typeface="Aptos"/>
+                <a:ea typeface="Aptos"/>
+                <a:cs typeface="Aptos"/>
+              </a:rPr>
+              <a:t>, rendendola utile per l'analisi dei segnali nel dominio della frequenza.</a:t>
+            </a:r>
+            <a:endParaRPr/>
+          </a:p>
+          <a:p>
+            <a:pPr>
+              <a:defRPr/>
+            </a:pPr>
+            <a:endParaRPr/>
+          </a:p>
+          <a:p>
+            <a:pPr marL="283879" indent="-283879">
+              <a:buAutoNum type="arabicPeriod"/>
+              <a:defRPr/>
+            </a:pPr>
+            <a:r>
+              <a:rPr lang="en-US" sz="1800" b="1" i="0" u="none" strike="noStrike" cap="none" spc="0">
+                <a:solidFill>
+                  <a:schemeClr val="tx1"/>
+                </a:solidFill>
+                <a:latin typeface="Aptos"/>
+                <a:ea typeface="Aptos"/>
+                <a:cs typeface="Aptos"/>
+              </a:rPr>
+              <a:t>Trasformata di Fourier</a:t>
+            </a:r>
+            <a:r>
+              <a:rPr lang="it-IT" sz="1800" b="0" i="0" u="none" strike="noStrike" cap="none" spc="0">
+                <a:solidFill>
+                  <a:schemeClr val="tx1"/>
+                </a:solidFill>
+                <a:latin typeface="Aptos"/>
+                <a:ea typeface="Aptos"/>
+                <a:cs typeface="Aptos"/>
+              </a:rPr>
+              <a:t> </a:t>
+            </a:r>
+            <mc:AlternateContent xmlns:mc="http://schemas.openxmlformats.org/markup-compatibility/2006" xmlns:m="http://schemas.openxmlformats.org/officeDocument/2006/math">
+              <mc:Choice xmlns:a14="http://schemas.microsoft.com/office/drawing/2010/main" Requires="a14">
+                <a14:m>
+                  <m:oMathPara>
+                    <m:oMathParaPr/>
+                    <m:oMath>
+                      <m:r>
+                        <m:rPr>
+                          <m:sty m:val="p"/>
+                        </m:rPr>
+                        <a:rPr lang="it-IT" sz="1800" u="none" strike="noStrike" cap="none" spc="0">
+                          <a:solidFill>
+                            <a:schemeClr val="tx1"/>
+                          </a:solidFill>
+                          <a:latin typeface="Cambria Math"/>
+                          <a:ea typeface="Cambria Math"/>
+                          <a:cs typeface="Cambria Math"/>
+                        </a:rPr>
+                        <m:t>X(f)</m:t>
+                      </m:r>
+                    </m:oMath>
+                  </m:oMathPara>
+                </a14:m>
+              </mc:Choice>
+              <mc:Fallback/>
+            </mc:AlternateContent>
+            <a:r>
+              <a:rPr lang="en-US" sz="1800" b="0" i="0" u="none" strike="noStrike" cap="none" spc="0">
+                <a:solidFill>
+                  <a:schemeClr val="tx1"/>
+                </a:solidFill>
+                <a:latin typeface="Aptos"/>
+                <a:ea typeface="Aptos"/>
+                <a:cs typeface="Aptos"/>
+              </a:rPr>
+              <a:t>: Si calcola la Trasformata di Fourier del segnale per ottenere la sua rappresentazione in frequenza.</a:t>
+            </a:r>
+            <a:endParaRPr lang="en-US" sz="1800" b="0" i="0" u="none" strike="noStrike" cap="none" spc="0">
+              <a:solidFill>
+                <a:schemeClr val="tx1"/>
+              </a:solidFill>
+              <a:latin typeface="Aptos"/>
+              <a:cs typeface="Aptos"/>
+            </a:endParaRPr>
+          </a:p>
+          <a:p>
+            <a:pPr marL="283879" indent="-283879">
+              <a:buAutoNum type="arabicPeriod"/>
+              <a:defRPr/>
+            </a:pPr>
+            <a:r>
+              <a:rPr lang="en-US" sz="1800" b="1" i="0" u="none" strike="noStrike" cap="none" spc="0">
+                <a:solidFill>
+                  <a:schemeClr val="tx1"/>
+                </a:solidFill>
+                <a:latin typeface="Aptos"/>
+                <a:ea typeface="Aptos"/>
+                <a:cs typeface="Aptos"/>
+              </a:rPr>
+              <a:t>Modulo quadro</a:t>
+            </a:r>
+            <a:r>
+              <a:rPr lang="it-IT" sz="1800" b="0" i="0" u="none" strike="noStrike" cap="none" spc="0">
+                <a:solidFill>
+                  <a:schemeClr val="tx1"/>
+                </a:solidFill>
+                <a:latin typeface="Aptos"/>
+                <a:ea typeface="Aptos"/>
+                <a:cs typeface="Aptos"/>
+              </a:rPr>
+              <a:t> </a:t>
+            </a:r>
+            <mc:AlternateContent xmlns:mc="http://schemas.openxmlformats.org/markup-compatibility/2006" xmlns:m="http://schemas.openxmlformats.org/officeDocument/2006/math">
+              <mc:Choice xmlns:a14="http://schemas.microsoft.com/office/drawing/2010/main" Requires="a14">
+                <a14:m>
+                  <m:oMathPara>
+                    <m:oMathParaPr/>
+                    <m:oMath>
+                      <m:sSup>
+                        <m:sSupPr>
+                          <m:ctrlPr>
+                            <a:rPr lang="it-IT" sz="1800" b="0" i="1" u="none" strike="noStrike" cap="none" spc="0">
+                              <a:solidFill>
+                                <a:schemeClr val="tx1"/>
+                              </a:solidFill>
+                              <a:latin typeface="Cambria Math"/>
+                              <a:ea typeface="Cambria Math"/>
+                              <a:cs typeface="Cambria Math"/>
+                            </a:rPr>
+                          </m:ctrlPr>
+                        </m:sSupPr>
+                        <m:e>
+                          <m:d>
+                            <m:dPr>
+                              <m:ctrlPr>
+                                <a:rPr lang="it-IT" sz="1800" i="1" u="none" strike="noStrike" cap="none" spc="0">
+                                  <a:solidFill>
+                                    <a:schemeClr val="tx1"/>
+                                  </a:solidFill>
+                                  <a:latin typeface="Cambria Math"/>
+                                  <a:ea typeface="Cambria Math"/>
+                                  <a:cs typeface="Cambria Math"/>
+                                </a:rPr>
+                              </m:ctrlPr>
+                            </m:dPr>
+                            <m:e>
+                              <m:r>
+                                <m:rPr>
+                                  <m:sty m:val="p"/>
+                                </m:rPr>
+                                <a:rPr lang="it-IT" sz="1800" u="none" strike="noStrike" cap="none" spc="0">
+                                  <a:solidFill>
+                                    <a:schemeClr val="tx1"/>
+                                  </a:solidFill>
+                                  <a:latin typeface="Cambria Math"/>
+                                  <a:ea typeface="Cambria Math"/>
+                                  <a:cs typeface="Cambria Math"/>
+                                </a:rPr>
+                                <m:t>X(f)</m:t>
+                              </m:r>
+                            </m:e>
+                          </m:d>
+                        </m:e>
+                        <m:sup>
+                          <m:r>
+                            <m:rPr>
+                              <m:sty m:val="i"/>
+                            </m:rPr>
+                            <a:rPr lang="it-IT" sz="1800" u="none" strike="noStrike" cap="none" spc="0">
+                              <a:solidFill>
+                                <a:schemeClr val="tx1"/>
+                              </a:solidFill>
+                              <a:latin typeface="Cambria Math"/>
+                              <a:ea typeface="Cambria Math"/>
+                              <a:cs typeface="Cambria Math"/>
+                            </a:rPr>
+                            <m:t>2</m:t>
+                          </m:r>
+                        </m:sup>
+                      </m:sSup>
+                    </m:oMath>
+                  </m:oMathPara>
+                </a14:m>
+              </mc:Choice>
+              <mc:Fallback/>
+            </mc:AlternateContent>
+            <a:r>
+              <a:rPr lang="en-US" sz="1800" b="0" i="0" u="none" strike="noStrike" cap="none" spc="0">
+                <a:solidFill>
+                  <a:schemeClr val="tx1"/>
+                </a:solidFill>
+                <a:latin typeface="Aptos"/>
+                <a:ea typeface="Aptos"/>
+                <a:cs typeface="Aptos"/>
+              </a:rPr>
+              <a:t>: Si eleva al quadrato il modulo dello spettro di Fourier per ottenere la</a:t>
+            </a:r>
+            <a:r>
+              <a:rPr lang="it-IT" sz="1800" b="0" i="0" u="none" strike="noStrike" cap="none" spc="0">
+                <a:solidFill>
+                  <a:schemeClr val="tx1"/>
+                </a:solidFill>
+                <a:latin typeface="Aptos"/>
+                <a:ea typeface="Aptos"/>
+                <a:cs typeface="Aptos"/>
+              </a:rPr>
+              <a:t> </a:t>
+            </a:r>
+            <a:r>
+              <a:rPr lang="en-US" sz="1800" b="0" i="0" u="none" strike="noStrike" cap="none" spc="0">
+                <a:solidFill>
+                  <a:schemeClr val="tx1"/>
+                </a:solidFill>
+                <a:latin typeface="Aptos"/>
+                <a:ea typeface="Aptos"/>
+                <a:cs typeface="Aptos"/>
+              </a:rPr>
+              <a:t>densità di potenza.</a:t>
+            </a:r>
+            <a:endParaRPr lang="en-US" sz="1800" b="0" i="0" u="none" strike="noStrike" cap="none" spc="0">
+              <a:solidFill>
+                <a:schemeClr val="tx1"/>
+              </a:solidFill>
+              <a:latin typeface="Aptos"/>
+              <a:cs typeface="Aptos"/>
+            </a:endParaRPr>
+          </a:p>
+          <a:p>
+            <a:pPr marL="283879" indent="-283879">
+              <a:buAutoNum type="arabicPeriod"/>
+              <a:defRPr/>
+            </a:pPr>
+            <a:r>
+              <a:rPr lang="en-US" sz="1800" b="1" i="0" u="none" strike="noStrike" cap="none" spc="0">
+                <a:solidFill>
+                  <a:schemeClr val="tx1"/>
+                </a:solidFill>
+                <a:latin typeface="Aptos"/>
+                <a:ea typeface="Aptos"/>
+                <a:cs typeface="Aptos"/>
+              </a:rPr>
+              <a:t>Normalizzazione</a:t>
+            </a:r>
+            <a:r>
+              <a:rPr lang="en-US" sz="1800" b="0" i="0" u="none" strike="noStrike" cap="none" spc="0">
+                <a:solidFill>
+                  <a:schemeClr val="tx1"/>
+                </a:solidFill>
+                <a:latin typeface="Aptos"/>
+                <a:ea typeface="Aptos"/>
+                <a:cs typeface="Aptos"/>
+              </a:rPr>
+              <a:t>:</a:t>
+            </a:r>
+            <a:r>
+              <a:rPr lang="it-IT" sz="1800" b="0" i="0" u="none" strike="noStrike" cap="none" spc="0">
+                <a:solidFill>
+                  <a:schemeClr val="tx1"/>
+                </a:solidFill>
+                <a:latin typeface="Aptos"/>
+                <a:ea typeface="Aptos"/>
+                <a:cs typeface="Aptos"/>
+              </a:rPr>
+              <a:t> Moltiplicazione per </a:t>
+            </a:r>
+            <mc:AlternateContent xmlns:mc="http://schemas.openxmlformats.org/markup-compatibility/2006" xmlns:m="http://schemas.openxmlformats.org/officeDocument/2006/math">
+              <mc:Choice xmlns:a14="http://schemas.microsoft.com/office/drawing/2010/main" Requires="a14">
+                <a14:m>
+                  <m:oMathPara>
+                    <m:oMathParaPr/>
+                    <m:oMath>
+                      <m:f>
+                        <m:fPr>
+                          <m:ctrlPr>
+                            <a:rPr lang="en-US" sz="1800" b="0" i="1" u="none" strike="noStrike" cap="none" spc="0">
+                              <a:solidFill>
+                                <a:schemeClr val="tx1"/>
+                              </a:solidFill>
+                              <a:latin typeface="Cambria Math"/>
+                              <a:ea typeface="Cambria Math"/>
+                              <a:cs typeface="Cambria Math"/>
+                            </a:rPr>
+                          </m:ctrlPr>
+                        </m:fPr>
+                        <m:num>
+                          <m:r>
+                            <m:rPr>
+                              <m:sty m:val="i"/>
+                            </m:rPr>
+                            <a:rPr lang="en-US" sz="1800" u="none" strike="noStrike" cap="none" spc="0">
+                              <a:solidFill>
+                                <a:schemeClr val="tx1"/>
+                              </a:solidFill>
+                              <a:latin typeface="Cambria Math"/>
+                              <a:ea typeface="Cambria Math"/>
+                              <a:cs typeface="Cambria Math"/>
+                            </a:rPr>
+                            <m:t>1</m:t>
+                          </m:r>
+                        </m:num>
+                        <m:den>
+                          <m:r>
+                            <m:rPr>
+                              <m:sty m:val="i"/>
+                            </m:rPr>
+                            <a:rPr lang="en-US" sz="1800" u="none" strike="noStrike" cap="none" spc="0">
+                              <a:solidFill>
+                                <a:schemeClr val="tx1"/>
+                              </a:solidFill>
+                              <a:latin typeface="Cambria Math"/>
+                              <a:ea typeface="Cambria Math"/>
+                              <a:cs typeface="Cambria Math"/>
+                            </a:rPr>
+                            <m:t>T</m:t>
+                          </m:r>
+                        </m:den>
+                      </m:f>
+                    </m:oMath>
+                  </m:oMathPara>
+                </a14:m>
+              </mc:Choice>
+              <mc:Fallback/>
+            </mc:AlternateContent>
+            <a:r>
+              <a:rPr lang="it-IT" sz="1800" b="0" i="0" u="none" strike="noStrike" cap="none" spc="0">
+                <a:solidFill>
+                  <a:schemeClr val="tx1"/>
+                </a:solidFill>
+                <a:latin typeface="Aptos"/>
+                <a:ea typeface="Aptos"/>
+                <a:cs typeface="Aptos"/>
+              </a:rPr>
+              <a:t>  dove T = durata  del segnale</a:t>
+            </a:r>
+            <a:endParaRPr lang="en-US" sz="1800" b="0" i="0" u="none" strike="noStrike" cap="none" spc="0">
+              <a:solidFill>
+                <a:schemeClr val="tx1"/>
+              </a:solidFill>
+              <a:latin typeface="Aptos"/>
+              <a:cs typeface="Aptos"/>
+            </a:endParaRPr>
+          </a:p>
+          <a:p>
+            <a:pPr>
+              <a:defRPr/>
+            </a:pPr>
+            <a:endParaRPr lang="en-US" sz="1800" b="0" i="0" u="none" strike="noStrike" cap="none" spc="0">
+              <a:solidFill>
+                <a:schemeClr val="tx1"/>
+              </a:solidFill>
+              <a:latin typeface="Aptos"/>
+              <a:cs typeface="Aptos"/>
+            </a:endParaRPr>
+          </a:p>
+          <a:p>
+            <a:pPr>
+              <a:defRPr/>
+            </a:pPr>
+            <a:r>
+              <a:rPr lang="en-US" sz="1800" b="0" i="0" u="none" strike="noStrike" cap="none" spc="0">
+                <a:solidFill>
+                  <a:schemeClr val="tx1"/>
+                </a:solidFill>
+                <a:latin typeface="Aptos"/>
+                <a:ea typeface="Aptos"/>
+                <a:cs typeface="Aptos"/>
+              </a:rPr>
+              <a:t>Un metodo comune per stimare la PSD è il Periodogramma, che calcola:</a:t>
+            </a:r>
+            <a:endParaRPr lang="en-US" sz="1800" b="0" i="0" u="none" strike="noStrike" cap="none" spc="0">
+              <a:solidFill>
+                <a:schemeClr val="tx1"/>
+              </a:solidFill>
+              <a:latin typeface="Aptos"/>
+              <a:cs typeface="Aptos"/>
+            </a:endParaRPr>
+          </a:p>
+          <a:p>
+            <a:pPr>
+              <a:defRPr/>
+            </a:pPr>
+            <mc:AlternateContent xmlns:mc="http://schemas.openxmlformats.org/markup-compatibility/2006" xmlns:m="http://schemas.openxmlformats.org/officeDocument/2006/math">
+              <mc:Choice xmlns:a14="http://schemas.microsoft.com/office/drawing/2010/main" Requires="a14">
+                <a14:m>
+                  <m:oMathPara>
+                    <m:oMathParaPr/>
+                    <m:oMath>
+                      <m:r>
+                        <m:rPr>
+                          <m:sty m:val="p"/>
+                        </m:rPr>
+                        <a:rPr lang="en-US" sz="1800" u="none" strike="noStrike" cap="none" spc="0">
+                          <a:solidFill>
+                            <a:schemeClr val="tx1"/>
+                          </a:solidFill>
+                          <a:latin typeface="Cambria Math"/>
+                          <a:ea typeface="Cambria Math"/>
+                          <a:cs typeface="Cambria Math"/>
+                        </a:rPr>
+                        <m:t>PSD(f)=</m:t>
+                      </m:r>
+                      <m:f>
+                        <m:fPr>
+                          <m:ctrlPr>
+                            <a:rPr lang="en-US" sz="1800" b="0" i="1" u="none" strike="noStrike" cap="none" spc="0">
+                              <a:solidFill>
+                                <a:schemeClr val="tx1"/>
+                              </a:solidFill>
+                              <a:latin typeface="Cambria Math"/>
+                              <a:ea typeface="Cambria Math"/>
+                              <a:cs typeface="Cambria Math"/>
+                            </a:rPr>
+                          </m:ctrlPr>
+                        </m:fPr>
+                        <m:num>
+                          <m:r>
+                            <m:rPr>
+                              <m:sty m:val="i"/>
+                            </m:rPr>
+                            <a:rPr lang="en-US" sz="1800" u="none" strike="noStrike" cap="none" spc="0">
+                              <a:solidFill>
+                                <a:schemeClr val="tx1"/>
+                              </a:solidFill>
+                              <a:latin typeface="Cambria Math"/>
+                              <a:ea typeface="Cambria Math"/>
+                              <a:cs typeface="Cambria Math"/>
+                            </a:rPr>
+                            <m:t>1</m:t>
+                          </m:r>
+                        </m:num>
+                        <m:den>
+                          <m:r>
+                            <m:rPr>
+                              <m:sty m:val="i"/>
+                            </m:rPr>
+                            <a:rPr lang="en-US" sz="1800" u="none" strike="noStrike" cap="none" spc="0">
+                              <a:solidFill>
+                                <a:schemeClr val="tx1"/>
+                              </a:solidFill>
+                              <a:latin typeface="Cambria Math"/>
+                              <a:ea typeface="Cambria Math"/>
+                              <a:cs typeface="Cambria Math"/>
+                            </a:rPr>
+                            <m:t>T</m:t>
+                          </m:r>
+                        </m:den>
+                      </m:f>
+                      <m:r>
+                        <m:rPr>
+                          <m:sty m:val="p"/>
+                        </m:rPr>
+                        <a:rPr lang="en-US" sz="1800" u="none" strike="noStrike" cap="none" spc="0">
+                          <a:solidFill>
+                            <a:schemeClr val="tx1"/>
+                          </a:solidFill>
+                          <a:latin typeface="Cambria Math"/>
+                          <a:ea typeface="Cambria Math"/>
+                          <a:cs typeface="Cambria Math"/>
+                        </a:rPr>
+                        <m:t> </m:t>
+                      </m:r>
+                      <m:sSup>
+                        <m:sSupPr>
+                          <m:ctrlPr>
+                            <a:rPr lang="en-US" sz="1800" b="0" i="1" u="none" strike="noStrike" cap="none" spc="0">
+                              <a:solidFill>
+                                <a:schemeClr val="tx1"/>
+                              </a:solidFill>
+                              <a:latin typeface="Cambria Math"/>
+                              <a:ea typeface="Cambria Math"/>
+                              <a:cs typeface="Cambria Math"/>
+                            </a:rPr>
+                          </m:ctrlPr>
+                        </m:sSupPr>
+                        <m:e>
+                          <m:d>
+                            <m:dPr>
+                              <m:ctrlPr>
+                                <a:rPr lang="en-US" sz="1800" i="1" u="none" strike="noStrike" cap="none" spc="0">
+                                  <a:solidFill>
+                                    <a:schemeClr val="tx1"/>
+                                  </a:solidFill>
+                                  <a:latin typeface="Cambria Math"/>
+                                  <a:ea typeface="Cambria Math"/>
+                                  <a:cs typeface="Cambria Math"/>
+                                </a:rPr>
+                              </m:ctrlPr>
+                            </m:dPr>
+                            <m:e>
+                              <m:r>
+                                <m:rPr>
+                                  <m:sty m:val="p"/>
+                                </m:rPr>
+                                <a:rPr lang="en-US" sz="1800" u="none" strike="noStrike" cap="none" spc="0">
+                                  <a:solidFill>
+                                    <a:schemeClr val="tx1"/>
+                                  </a:solidFill>
+                                  <a:latin typeface="Cambria Math"/>
+                                  <a:ea typeface="Cambria Math"/>
+                                  <a:cs typeface="Cambria Math"/>
+                                </a:rPr>
+                                <m:t>|X(f)|</m:t>
+                              </m:r>
+                            </m:e>
+                          </m:d>
+                        </m:e>
+                        <m:sup>
+                          <m:r>
+                            <m:rPr>
+                              <m:sty m:val="i"/>
+                            </m:rPr>
+                            <a:rPr lang="en-US" sz="1800" u="none" strike="noStrike" cap="none" spc="0">
+                              <a:solidFill>
+                                <a:schemeClr val="tx1"/>
+                              </a:solidFill>
+                              <a:latin typeface="Cambria Math"/>
+                              <a:ea typeface="Cambria Math"/>
+                              <a:cs typeface="Cambria Math"/>
+                            </a:rPr>
+                            <m:t>2</m:t>
+                          </m:r>
+                        </m:sup>
+                      </m:sSup>
+                    </m:oMath>
+                  </m:oMathPara>
+                </a14:m>
+              </mc:Choice>
+              <mc:Fallback/>
+            </mc:AlternateContent>
+            <a:endParaRPr lang="en-US" sz="1800" b="0" i="0" u="none" strike="noStrike" cap="none" spc="0">
+              <a:solidFill>
+                <a:schemeClr val="tx1"/>
+              </a:solidFill>
+              <a:latin typeface="Aptos"/>
+              <a:cs typeface="Aptos"/>
+            </a:endParaRPr>
+          </a:p>
+          <a:p>
+            <a:pPr>
+              <a:defRPr/>
+            </a:pPr>
+            <a:endParaRPr/>
+          </a:p>
+        </p:txBody>
+      </p:sp>
+      <p:sp>
+        <p:nvSpPr>
+          <p:cNvPr id="1962698677" name="Rettangolo 4"/>
+          <p:cNvSpPr/>
+          <p:nvPr/>
+        </p:nvSpPr>
+        <p:spPr bwMode="auto">
+          <a:xfrm rot="761666">
+            <a:off x="-26573" y="-990495"/>
+            <a:ext cx="1101969" cy="8475782"/>
+          </a:xfrm>
+          <a:prstGeom prst="rect">
+            <a:avLst/>
+          </a:prstGeom>
+          <a:gradFill>
+            <a:gsLst>
+              <a:gs pos="0">
+                <a:srgbClr val="E2E2E2"/>
+              </a:gs>
+              <a:gs pos="100000">
+                <a:srgbClr val="FFFFFF"/>
+              </a:gs>
+            </a:gsLst>
+            <a:path path="circle"/>
+          </a:gradFill>
+          <a:ln>
+            <a:noFill/>
+          </a:ln>
+        </p:spPr>
+        <p:style>
+          <a:lnRef idx="2">
+            <a:schemeClr val="accent1">
+              <a:shade val="15000"/>
+            </a:schemeClr>
+          </a:lnRef>
+          <a:fillRef idx="1">
+            <a:schemeClr val="accent1"/>
+          </a:fillRef>
+          <a:effectRef idx="0">
+            <a:schemeClr val="accent1"/>
+          </a:effectRef>
+          <a:fontRef idx="minor">
+            <a:schemeClr val="lt1"/>
+          </a:fontRef>
+        </p:style>
+        <p:txBody>
+          <a:bodyPr rtlCol="0" anchor="ctr"/>
+          <a:lstStyle/>
+          <a:p>
+            <a:pPr algn="ctr">
+              <a:defRPr/>
+            </a:pPr>
+            <a:endParaRPr lang="it-IT"/>
+          </a:p>
+        </p:txBody>
+      </p:sp>
+      <p:sp>
+        <p:nvSpPr>
+          <p:cNvPr id="999310583" name="Rettangolo 1"/>
+          <p:cNvSpPr/>
+          <p:nvPr/>
+        </p:nvSpPr>
+        <p:spPr bwMode="auto">
+          <a:xfrm rot="761666">
+            <a:off x="-788571" y="-1635257"/>
+            <a:ext cx="1101969" cy="8475782"/>
+          </a:xfrm>
+          <a:prstGeom prst="rect">
+            <a:avLst/>
+          </a:prstGeom>
+          <a:gradFill>
+            <a:gsLst>
+              <a:gs pos="50000">
+                <a:srgbClr val="019A3F"/>
+              </a:gs>
+              <a:gs pos="100000">
+                <a:srgbClr val="18BE5A"/>
+              </a:gs>
+            </a:gsLst>
+            <a:path path="circle"/>
+          </a:gradFill>
+          <a:ln>
+            <a:noFill/>
+          </a:ln>
+        </p:spPr>
+        <p:style>
+          <a:lnRef idx="2">
+            <a:schemeClr val="accent1">
+              <a:shade val="15000"/>
+            </a:schemeClr>
+          </a:lnRef>
+          <a:fillRef idx="1">
+            <a:schemeClr val="accent1"/>
+          </a:fillRef>
+          <a:effectRef idx="0">
+            <a:schemeClr val="accent1"/>
+          </a:effectRef>
+          <a:fontRef idx="minor">
+            <a:schemeClr val="lt1"/>
+          </a:fontRef>
+        </p:style>
+        <p:txBody>
+          <a:bodyPr rtlCol="0" anchor="ctr"/>
+          <a:lstStyle/>
+          <a:p>
+            <a:pPr algn="ctr">
+              <a:defRPr/>
+            </a:pPr>
+            <a:endParaRPr lang="it-IT"/>
+          </a:p>
+        </p:txBody>
+      </p:sp>
+    </p:spTree>
+  </p:cSld>
+  <p:clrMapOvr>
+    <a:masterClrMapping/>
+  </p:clrMapOvr>
+  <mc:AlternateContent xmlns:mc="http://schemas.openxmlformats.org/markup-compatibility/2006">
+    <mc:Choice xmlns:p159="http://schemas.microsoft.com/office/powerpoint/2015/09/main" xmlns:p14="http://schemas.microsoft.com/office/powerpoint/2010/main" Requires="p159">
+      <p:transition p14:dur="2000" advClick="1"/>
+    </mc:Choice>
+    <mc:Fallback>
+      <p:transition advClick="1"/>
+    </mc:Fallback>
+  </mc:AlternateContent>
+</p:sld>
+</file>
+
 <file path=ppt/slides/slide3.xml><?xml version="1.0" encoding="utf-8"?>
 <p:sld xmlns:a="http://schemas.openxmlformats.org/drawingml/2006/main" xmlns:r="http://schemas.openxmlformats.org/officeDocument/2006/relationships" xmlns:p="http://schemas.openxmlformats.org/presentationml/2006/main" xmlns:m="http://schemas.openxmlformats.org/officeDocument/2006/math" xmlns:w="http://schemas.openxmlformats.org/wordprocessingml/2006/main" xmlns:mc="http://schemas.openxmlformats.org/markup-compatibility/2006" showMasterPhAnim="0" showMasterSp="1" show="1">
   <p:cSld name="">
@@ -19005,6 +21287,1384 @@
 </p:sld>
 </file>
 
+<file path=ppt/slides/slide30.xml><?xml version="1.0" encoding="utf-8"?>
+<p:sld xmlns:a="http://schemas.openxmlformats.org/drawingml/2006/main" xmlns:r="http://schemas.openxmlformats.org/officeDocument/2006/relationships" xmlns:p="http://schemas.openxmlformats.org/presentationml/2006/main" xmlns:m="http://schemas.openxmlformats.org/officeDocument/2006/math" xmlns:w="http://schemas.openxmlformats.org/wordprocessingml/2006/main" xmlns:mc="http://schemas.openxmlformats.org/markup-compatibility/2006" showMasterPhAnim="0" showMasterSp="1" show="1">
+  <p:cSld name="">
+    <p:spTree>
+      <p:nvGrpSpPr>
+        <p:cNvPr id="1" name=""/>
+        <p:cNvGrpSpPr/>
+        <p:nvPr/>
+      </p:nvGrpSpPr>
+      <p:grpSpPr bwMode="auto">
+        <a:xfrm>
+          <a:off x="0" y="0"/>
+          <a:ext cx="0" cy="0"/>
+          <a:chOff x="0" y="0"/>
+          <a:chExt cx="0" cy="0"/>
+        </a:xfrm>
+      </p:grpSpPr>
+      <p:sp>
+        <p:nvSpPr>
+          <p:cNvPr id="1090223294" name="Rettangolo 8"/>
+          <p:cNvSpPr/>
+          <p:nvPr/>
+        </p:nvSpPr>
+        <p:spPr bwMode="auto">
+          <a:xfrm rot="11561691">
+            <a:off x="11394825" y="-1166342"/>
+            <a:ext cx="1101969" cy="8475782"/>
+          </a:xfrm>
+          <a:prstGeom prst="rect">
+            <a:avLst/>
+          </a:prstGeom>
+          <a:gradFill>
+            <a:gsLst>
+              <a:gs pos="0">
+                <a:srgbClr val="E2E2E2"/>
+              </a:gs>
+              <a:gs pos="100000">
+                <a:srgbClr val="FFFFFF"/>
+              </a:gs>
+            </a:gsLst>
+            <a:path path="circle"/>
+          </a:gradFill>
+          <a:ln>
+            <a:noFill/>
+          </a:ln>
+        </p:spPr>
+        <p:style>
+          <a:lnRef idx="2">
+            <a:schemeClr val="accent1">
+              <a:shade val="15000"/>
+            </a:schemeClr>
+          </a:lnRef>
+          <a:fillRef idx="1">
+            <a:schemeClr val="accent1"/>
+          </a:fillRef>
+          <a:effectRef idx="0">
+            <a:schemeClr val="accent1"/>
+          </a:effectRef>
+          <a:fontRef idx="minor">
+            <a:schemeClr val="lt1"/>
+          </a:fontRef>
+        </p:style>
+        <p:txBody>
+          <a:bodyPr rtlCol="0" anchor="ctr"/>
+          <a:lstStyle/>
+          <a:p>
+            <a:pPr algn="ctr">
+              <a:defRPr/>
+            </a:pPr>
+            <a:endParaRPr lang="it-IT"/>
+          </a:p>
+        </p:txBody>
+      </p:sp>
+      <p:sp>
+        <p:nvSpPr>
+          <p:cNvPr id="192301972" name="Rettangolo 9"/>
+          <p:cNvSpPr/>
+          <p:nvPr/>
+        </p:nvSpPr>
+        <p:spPr bwMode="auto">
+          <a:xfrm rot="11561691">
+            <a:off x="11964601" y="158151"/>
+            <a:ext cx="1101969" cy="8475782"/>
+          </a:xfrm>
+          <a:prstGeom prst="rect">
+            <a:avLst/>
+          </a:prstGeom>
+          <a:gradFill>
+            <a:gsLst>
+              <a:gs pos="24000">
+                <a:srgbClr val="E2E2E2"/>
+              </a:gs>
+              <a:gs pos="100000">
+                <a:srgbClr val="F6F6F6"/>
+              </a:gs>
+            </a:gsLst>
+            <a:path path="circle"/>
+          </a:gradFill>
+          <a:ln>
+            <a:noFill/>
+          </a:ln>
+        </p:spPr>
+        <p:style>
+          <a:lnRef idx="2">
+            <a:schemeClr val="accent1">
+              <a:shade val="15000"/>
+            </a:schemeClr>
+          </a:lnRef>
+          <a:fillRef idx="1">
+            <a:schemeClr val="accent1"/>
+          </a:fillRef>
+          <a:effectRef idx="0">
+            <a:schemeClr val="accent1"/>
+          </a:effectRef>
+          <a:fontRef idx="minor">
+            <a:schemeClr val="lt1"/>
+          </a:fontRef>
+        </p:style>
+        <p:txBody>
+          <a:bodyPr rtlCol="0" anchor="ctr"/>
+          <a:lstStyle/>
+          <a:p>
+            <a:pPr algn="ctr">
+              <a:defRPr/>
+            </a:pPr>
+            <a:endParaRPr lang="it-IT"/>
+          </a:p>
+        </p:txBody>
+      </p:sp>
+      <p:sp>
+        <p:nvSpPr>
+          <p:cNvPr id="653678755" name="CasellaDiTesto 10"/>
+          <p:cNvSpPr txBox="1"/>
+          <p:nvPr/>
+        </p:nvSpPr>
+        <p:spPr bwMode="auto">
+          <a:xfrm>
+            <a:off x="1648702" y="223468"/>
+            <a:ext cx="9406089" cy="640440"/>
+          </a:xfrm>
+          <a:prstGeom prst="rect">
+            <a:avLst/>
+          </a:prstGeom>
+          <a:noFill/>
+        </p:spPr>
+        <p:txBody>
+          <a:bodyPr wrap="square" rtlCol="0">
+            <a:spAutoFit/>
+          </a:bodyPr>
+          <a:lstStyle/>
+          <a:p>
+            <a:pPr>
+              <a:defRPr/>
+            </a:pPr>
+            <a:r>
+              <a:rPr lang="it-IT" sz="3600" b="1">
+                <a:solidFill>
+                  <a:srgbClr val="019A3F"/>
+                </a:solidFill>
+              </a:rPr>
+              <a:t>Possibili domande: Spectral Entropy (2)</a:t>
+            </a:r>
+            <a:endParaRPr sz="1200">
+              <a:solidFill>
+                <a:srgbClr val="019A3F"/>
+              </a:solidFill>
+            </a:endParaRPr>
+          </a:p>
+        </p:txBody>
+      </p:sp>
+      <p:sp>
+        <p:nvSpPr>
+          <p:cNvPr id="1018960350" name=""/>
+          <p:cNvSpPr txBox="1"/>
+          <p:nvPr/>
+        </p:nvSpPr>
+        <p:spPr bwMode="auto">
+          <a:xfrm flipH="0" flipV="0">
+            <a:off x="1775247" y="1047748"/>
+            <a:ext cx="9001123" cy="366118"/>
+          </a:xfrm>
+          <a:prstGeom prst="rect">
+            <a:avLst/>
+          </a:prstGeom>
+          <a:noFill/>
+        </p:spPr>
+        <p:txBody>
+          <a:bodyPr vertOverflow="overflow" horzOverflow="overflow" vert="horz" wrap="square" lIns="91440" tIns="45720" rIns="91440" bIns="45720" numCol="1" spcCol="0" rtlCol="0" fromWordArt="0" anchor="t" anchorCtr="0" forceAA="0" upright="0" compatLnSpc="0">
+            <a:spAutoFit/>
+          </a:bodyPr>
+          <a:p>
+            <a:pPr>
+              <a:defRPr/>
+            </a:pPr>
+            <a:endParaRPr/>
+          </a:p>
+        </p:txBody>
+      </p:sp>
+      <p:sp>
+        <p:nvSpPr>
+          <p:cNvPr id="113333741" name=""/>
+          <p:cNvSpPr txBox="1"/>
+          <p:nvPr/>
+        </p:nvSpPr>
+        <p:spPr bwMode="auto">
+          <a:xfrm flipH="0" flipV="0">
+            <a:off x="1612084" y="1071559"/>
+            <a:ext cx="9341044" cy="3935141"/>
+          </a:xfrm>
+          <a:prstGeom prst="rect">
+            <a:avLst/>
+          </a:prstGeom>
+          <a:noFill/>
+        </p:spPr>
+        <p:txBody>
+          <a:bodyPr vertOverflow="overflow" horzOverflow="overflow" vert="horz" wrap="square" lIns="91440" tIns="45720" rIns="91440" bIns="45720" numCol="1" spcCol="0" rtlCol="0" fromWordArt="0" anchor="t" anchorCtr="0" forceAA="0" upright="0" compatLnSpc="0">
+            <a:spAutoFit/>
+          </a:bodyPr>
+          <a:p>
+            <a:pPr>
+              <a:defRPr/>
+            </a:pPr>
+            <a:r>
+              <a:rPr lang="en-US" sz="1800" b="0" i="0" u="none" strike="noStrike" cap="none" spc="0">
+                <a:solidFill>
+                  <a:schemeClr val="tx1"/>
+                </a:solidFill>
+                <a:latin typeface="Aptos"/>
+                <a:ea typeface="Aptos"/>
+                <a:cs typeface="Aptos"/>
+              </a:rPr>
+              <a:t>La </a:t>
+            </a:r>
+            <a:r>
+              <a:rPr lang="en-US" sz="1800" b="1" i="0" u="none" strike="noStrike" cap="none" spc="0">
+                <a:solidFill>
+                  <a:schemeClr val="tx1"/>
+                </a:solidFill>
+                <a:latin typeface="Aptos"/>
+                <a:ea typeface="Aptos"/>
+                <a:cs typeface="Aptos"/>
+              </a:rPr>
+              <a:t>Spectral Entropy </a:t>
+            </a:r>
+            <a:r>
+              <a:rPr lang="en-US" sz="1800" b="0" i="0" u="none" strike="noStrike" cap="none" spc="0">
+                <a:solidFill>
+                  <a:schemeClr val="tx1"/>
+                </a:solidFill>
+                <a:latin typeface="Aptos"/>
+                <a:ea typeface="Aptos"/>
+                <a:cs typeface="Aptos"/>
+              </a:rPr>
+              <a:t>è una misura dell'ordine o della</a:t>
+            </a:r>
+            <a:r>
+              <a:rPr lang="en-US" sz="1800" b="1" i="0" u="none" strike="noStrike" cap="none" spc="0">
+                <a:solidFill>
+                  <a:srgbClr val="00B050"/>
+                </a:solidFill>
+                <a:latin typeface="Aptos"/>
+                <a:ea typeface="Aptos"/>
+                <a:cs typeface="Aptos"/>
+              </a:rPr>
+              <a:t> dispersione dell'energia nello spettro di frequenze di un segnale</a:t>
+            </a:r>
+            <a:r>
+              <a:rPr lang="en-US" sz="1800" b="0" i="0" u="none" strike="noStrike" cap="none" spc="0">
+                <a:solidFill>
+                  <a:schemeClr val="tx1"/>
+                </a:solidFill>
+                <a:latin typeface="Aptos"/>
+                <a:ea typeface="Aptos"/>
+                <a:cs typeface="Aptos"/>
+              </a:rPr>
+              <a:t>.</a:t>
+            </a:r>
+            <a:r>
+              <a:rPr lang="it-IT" sz="1800" b="0" i="0" u="none" strike="noStrike" cap="none" spc="0">
+                <a:solidFill>
+                  <a:schemeClr val="tx1"/>
+                </a:solidFill>
+                <a:latin typeface="Aptos"/>
+                <a:ea typeface="Aptos"/>
+                <a:cs typeface="Aptos"/>
+              </a:rPr>
+              <a:t> </a:t>
+            </a:r>
+            <a:r>
+              <a:rPr lang="it-IT" sz="1800" b="0" i="0" u="none" strike="noStrike" cap="none" spc="0">
+                <a:solidFill>
+                  <a:schemeClr val="tx1"/>
+                </a:solidFill>
+                <a:latin typeface="Aptos"/>
+                <a:ea typeface="Aptos"/>
+                <a:cs typeface="Aptos"/>
+              </a:rPr>
+              <a:t>Può essere calcolata a partire dallo spettrogramma.</a:t>
+            </a:r>
+            <a:endParaRPr b="1"/>
+          </a:p>
+          <a:p>
+            <a:pPr marL="283879" indent="-283879">
+              <a:buFont typeface="Arial"/>
+              <a:buChar char="•"/>
+              <a:defRPr/>
+            </a:pPr>
+            <a:endParaRPr/>
+          </a:p>
+          <a:p>
+            <a:pPr marL="283879" indent="-283879">
+              <a:buFont typeface="Arial"/>
+              <a:buChar char="•"/>
+              <a:defRPr/>
+            </a:pPr>
+            <a:r>
+              <a:rPr lang="en-US" sz="1800" b="0" i="0" u="none" strike="noStrike" cap="none" spc="0">
+                <a:solidFill>
+                  <a:schemeClr val="tx1"/>
+                </a:solidFill>
+                <a:latin typeface="Aptos"/>
+                <a:ea typeface="Aptos"/>
+                <a:cs typeface="Aptos"/>
+              </a:rPr>
+              <a:t>Valori bassi indicano uno spettro concentrato su poche frequenze (suoni armonici o tonalità pure).</a:t>
+            </a:r>
+            <a:endParaRPr lang="en-US" sz="1800" b="0" i="0" u="none" strike="noStrike" cap="none" spc="0">
+              <a:solidFill>
+                <a:schemeClr val="tx1"/>
+              </a:solidFill>
+              <a:latin typeface="Aptos"/>
+              <a:cs typeface="Aptos"/>
+            </a:endParaRPr>
+          </a:p>
+          <a:p>
+            <a:pPr marL="283879" indent="-283879">
+              <a:buFont typeface="Arial"/>
+              <a:buChar char="•"/>
+              <a:defRPr/>
+            </a:pPr>
+            <a:r>
+              <a:rPr lang="en-US" sz="1800" b="0" i="0" u="none" strike="noStrike" cap="none" spc="0">
+                <a:solidFill>
+                  <a:schemeClr val="tx1"/>
+                </a:solidFill>
+                <a:latin typeface="Aptos"/>
+                <a:ea typeface="Aptos"/>
+                <a:cs typeface="Aptos"/>
+              </a:rPr>
+              <a:t>Valori alti indicano una distribuzione uniforme dell'energia (rumore o suoni complessi).</a:t>
+            </a:r>
+            <a:endParaRPr/>
+          </a:p>
+          <a:p>
+            <a:pPr marL="283879" indent="-283879">
+              <a:buFont typeface="Arial"/>
+              <a:buChar char="•"/>
+              <a:defRPr/>
+            </a:pPr>
+            <a:endParaRPr/>
+          </a:p>
+          <a:p>
+            <a:pPr marL="283879" indent="-283879">
+              <a:buFont typeface="Arial"/>
+              <a:buChar char="•"/>
+              <a:defRPr/>
+            </a:pPr>
+            <a:endParaRPr/>
+          </a:p>
+          <a:p>
+            <a:pPr>
+              <a:defRPr/>
+            </a:pPr>
+            <a:r>
+              <a:rPr lang="it-IT"/>
+              <a:t>Per calcolarla si seguono questi step:</a:t>
+            </a:r>
+            <a:endParaRPr lang="it-IT"/>
+          </a:p>
+          <a:p>
+            <a:pPr marL="283879" indent="-283879">
+              <a:buAutoNum type="arabicPeriod"/>
+              <a:defRPr/>
+            </a:pPr>
+            <a:r>
+              <a:rPr lang="it-IT" sz="1800" b="0" i="0" u="none" strike="noStrike" cap="none" spc="0">
+                <a:solidFill>
+                  <a:schemeClr val="tx1"/>
+                </a:solidFill>
+                <a:latin typeface="Aptos"/>
+                <a:ea typeface="Aptos"/>
+                <a:cs typeface="Aptos"/>
+              </a:rPr>
+              <a:t>Calcolo dello spettro di potenza normalizzato </a:t>
+            </a:r>
+            <mc:AlternateContent xmlns:mc="http://schemas.openxmlformats.org/markup-compatibility/2006" xmlns:m="http://schemas.openxmlformats.org/officeDocument/2006/math">
+              <mc:Choice xmlns:a14="http://schemas.microsoft.com/office/drawing/2010/main" Requires="a14">
+                <a14:m>
+                  <m:oMathPara>
+                    <m:oMathParaPr/>
+                    <m:oMath>
+                      <m:r>
+                        <m:rPr>
+                          <m:sty m:val="p"/>
+                        </m:rPr>
+                        <a:rPr lang="it-IT" sz="1800" u="none" strike="noStrike" cap="none" spc="0">
+                          <a:solidFill>
+                            <a:schemeClr val="tx1"/>
+                          </a:solidFill>
+                          <a:latin typeface="Cambria Math"/>
+                          <a:ea typeface="Cambria Math"/>
+                          <a:cs typeface="Cambria Math"/>
+                        </a:rPr>
+                        <m:t>P(f)</m:t>
+                      </m:r>
+                    </m:oMath>
+                  </m:oMathPara>
+                </a14:m>
+              </mc:Choice>
+              <mc:Fallback/>
+            </mc:AlternateContent>
+            <a:r>
+              <a:rPr lang="it-IT" sz="1800" b="0" i="0" u="none" strike="noStrike" cap="none" spc="0">
+                <a:solidFill>
+                  <a:schemeClr val="tx1"/>
+                </a:solidFill>
+                <a:latin typeface="Aptos"/>
+                <a:ea typeface="Aptos"/>
+                <a:cs typeface="Aptos"/>
+              </a:rPr>
+              <a:t>:</a:t>
+            </a:r>
+            <a:r>
+              <a:rPr lang="it-IT" sz="1800" b="0" i="0" u="none" strike="noStrike" cap="none" spc="0">
+                <a:solidFill>
+                  <a:schemeClr val="tx1"/>
+                </a:solidFill>
+                <a:latin typeface="Aptos"/>
+                <a:ea typeface="Aptos"/>
+                <a:cs typeface="Aptos"/>
+              </a:rPr>
+              <a:t> Ottenere lo spettro di frequenze del segnale usando la Trasformata di Fourier (FFT).</a:t>
+            </a:r>
+            <a:r>
+              <a:rPr lang="it-IT"/>
+              <a:t> Poi normalizzarlo per ottenere il valore di probabilità</a:t>
+            </a:r>
+            <a:endParaRPr lang="it-IT"/>
+          </a:p>
+          <a:p>
+            <a:pPr marL="283879" indent="-283879">
+              <a:buAutoNum type="arabicPeriod"/>
+              <a:defRPr/>
+            </a:pPr>
+            <a:r>
+              <a:rPr lang="it-IT" sz="1800" b="0" i="0" u="none" strike="noStrike" cap="none" spc="0">
+                <a:solidFill>
+                  <a:schemeClr val="tx1"/>
+                </a:solidFill>
+                <a:latin typeface="Aptos"/>
+                <a:ea typeface="Aptos"/>
+                <a:cs typeface="Aptos"/>
+              </a:rPr>
+              <a:t>Applicare la formula dell'entropia di Shannon alla distribuzione di probabilità </a:t>
+            </a:r>
+            <mc:AlternateContent xmlns:mc="http://schemas.openxmlformats.org/markup-compatibility/2006" xmlns:m="http://schemas.openxmlformats.org/officeDocument/2006/math">
+              <mc:Choice xmlns:a14="http://schemas.microsoft.com/office/drawing/2010/main" Requires="a14">
+                <a14:m>
+                  <m:oMathPara>
+                    <m:oMathParaPr/>
+                    <m:oMath>
+                      <m:r>
+                        <m:rPr>
+                          <m:sty m:val="p"/>
+                        </m:rPr>
+                        <a:rPr lang="it-IT" sz="1800" u="none" strike="noStrike" cap="none" spc="0">
+                          <a:solidFill>
+                            <a:schemeClr val="tx1"/>
+                          </a:solidFill>
+                          <a:latin typeface="Cambria Math"/>
+                          <a:ea typeface="Cambria Math"/>
+                          <a:cs typeface="Cambria Math"/>
+                        </a:rPr>
+                        <m:t>P(f)</m:t>
+                      </m:r>
+                    </m:oMath>
+                  </m:oMathPara>
+                </a14:m>
+              </mc:Choice>
+              <mc:Fallback/>
+            </mc:AlternateContent>
+            <a:endParaRPr lang="it-IT"/>
+          </a:p>
+          <a:p>
+            <a:pPr marL="283879" indent="-283879">
+              <a:buAutoNum type="arabicPeriod"/>
+              <a:defRPr/>
+            </a:pPr>
+            <a:endParaRPr lang="it-IT" sz="1800" b="0" i="0" u="none" strike="noStrike" cap="none" spc="0">
+              <a:solidFill>
+                <a:schemeClr val="tx1"/>
+              </a:solidFill>
+              <a:latin typeface="Aptos"/>
+              <a:cs typeface="Aptos"/>
+            </a:endParaRPr>
+          </a:p>
+        </p:txBody>
+      </p:sp>
+      <p:sp>
+        <p:nvSpPr>
+          <p:cNvPr id="459845986" name="Rettangolo 4"/>
+          <p:cNvSpPr/>
+          <p:nvPr/>
+        </p:nvSpPr>
+        <p:spPr bwMode="auto">
+          <a:xfrm rot="761666">
+            <a:off x="-26573" y="-990495"/>
+            <a:ext cx="1101969" cy="8475782"/>
+          </a:xfrm>
+          <a:prstGeom prst="rect">
+            <a:avLst/>
+          </a:prstGeom>
+          <a:gradFill>
+            <a:gsLst>
+              <a:gs pos="0">
+                <a:srgbClr val="E2E2E2"/>
+              </a:gs>
+              <a:gs pos="100000">
+                <a:srgbClr val="FFFFFF"/>
+              </a:gs>
+            </a:gsLst>
+            <a:path path="circle"/>
+          </a:gradFill>
+          <a:ln>
+            <a:noFill/>
+          </a:ln>
+        </p:spPr>
+        <p:style>
+          <a:lnRef idx="2">
+            <a:schemeClr val="accent1">
+              <a:shade val="15000"/>
+            </a:schemeClr>
+          </a:lnRef>
+          <a:fillRef idx="1">
+            <a:schemeClr val="accent1"/>
+          </a:fillRef>
+          <a:effectRef idx="0">
+            <a:schemeClr val="accent1"/>
+          </a:effectRef>
+          <a:fontRef idx="minor">
+            <a:schemeClr val="lt1"/>
+          </a:fontRef>
+        </p:style>
+        <p:txBody>
+          <a:bodyPr rtlCol="0" anchor="ctr"/>
+          <a:lstStyle/>
+          <a:p>
+            <a:pPr algn="ctr">
+              <a:defRPr/>
+            </a:pPr>
+            <a:endParaRPr lang="it-IT"/>
+          </a:p>
+        </p:txBody>
+      </p:sp>
+      <p:sp>
+        <p:nvSpPr>
+          <p:cNvPr id="359461484" name="Rettangolo 1"/>
+          <p:cNvSpPr/>
+          <p:nvPr/>
+        </p:nvSpPr>
+        <p:spPr bwMode="auto">
+          <a:xfrm rot="761666">
+            <a:off x="-788571" y="-1635257"/>
+            <a:ext cx="1101969" cy="8475782"/>
+          </a:xfrm>
+          <a:prstGeom prst="rect">
+            <a:avLst/>
+          </a:prstGeom>
+          <a:gradFill>
+            <a:gsLst>
+              <a:gs pos="50000">
+                <a:srgbClr val="019A3F"/>
+              </a:gs>
+              <a:gs pos="100000">
+                <a:srgbClr val="18BE5A"/>
+              </a:gs>
+            </a:gsLst>
+            <a:path path="circle"/>
+          </a:gradFill>
+          <a:ln>
+            <a:noFill/>
+          </a:ln>
+        </p:spPr>
+        <p:style>
+          <a:lnRef idx="2">
+            <a:schemeClr val="accent1">
+              <a:shade val="15000"/>
+            </a:schemeClr>
+          </a:lnRef>
+          <a:fillRef idx="1">
+            <a:schemeClr val="accent1"/>
+          </a:fillRef>
+          <a:effectRef idx="0">
+            <a:schemeClr val="accent1"/>
+          </a:effectRef>
+          <a:fontRef idx="minor">
+            <a:schemeClr val="lt1"/>
+          </a:fontRef>
+        </p:style>
+        <p:txBody>
+          <a:bodyPr rtlCol="0" anchor="ctr"/>
+          <a:lstStyle/>
+          <a:p>
+            <a:pPr algn="ctr">
+              <a:defRPr/>
+            </a:pPr>
+            <a:endParaRPr lang="it-IT"/>
+          </a:p>
+        </p:txBody>
+      </p:sp>
+    </p:spTree>
+  </p:cSld>
+  <p:clrMapOvr>
+    <a:masterClrMapping/>
+  </p:clrMapOvr>
+  <mc:AlternateContent xmlns:mc="http://schemas.openxmlformats.org/markup-compatibility/2006">
+    <mc:Choice xmlns:p159="http://schemas.microsoft.com/office/powerpoint/2015/09/main" xmlns:p14="http://schemas.microsoft.com/office/powerpoint/2010/main" Requires="p159">
+      <p:transition p14:dur="2000" advClick="1"/>
+    </mc:Choice>
+    <mc:Fallback>
+      <p:transition advClick="1"/>
+    </mc:Fallback>
+  </mc:AlternateContent>
+</p:sld>
+</file>
+
+<file path=ppt/slides/slide31.xml><?xml version="1.0" encoding="utf-8"?>
+<p:sld xmlns:a="http://schemas.openxmlformats.org/drawingml/2006/main" xmlns:r="http://schemas.openxmlformats.org/officeDocument/2006/relationships" xmlns:p="http://schemas.openxmlformats.org/presentationml/2006/main" xmlns:m="http://schemas.openxmlformats.org/officeDocument/2006/math" xmlns:w="http://schemas.openxmlformats.org/wordprocessingml/2006/main" xmlns:mc="http://schemas.openxmlformats.org/markup-compatibility/2006" showMasterPhAnim="0" showMasterSp="1" show="1">
+  <p:cSld name="">
+    <p:spTree>
+      <p:nvGrpSpPr>
+        <p:cNvPr id="1" name=""/>
+        <p:cNvGrpSpPr/>
+        <p:nvPr/>
+      </p:nvGrpSpPr>
+      <p:grpSpPr bwMode="auto">
+        <a:xfrm>
+          <a:off x="0" y="0"/>
+          <a:ext cx="0" cy="0"/>
+          <a:chOff x="0" y="0"/>
+          <a:chExt cx="0" cy="0"/>
+        </a:xfrm>
+      </p:grpSpPr>
+      <p:sp>
+        <p:nvSpPr>
+          <p:cNvPr id="738390810" name="Rettangolo 8"/>
+          <p:cNvSpPr/>
+          <p:nvPr/>
+        </p:nvSpPr>
+        <p:spPr bwMode="auto">
+          <a:xfrm rot="11561691">
+            <a:off x="11394824" y="-1166342"/>
+            <a:ext cx="1101969" cy="8475782"/>
+          </a:xfrm>
+          <a:prstGeom prst="rect">
+            <a:avLst/>
+          </a:prstGeom>
+          <a:gradFill>
+            <a:gsLst>
+              <a:gs pos="0">
+                <a:srgbClr val="E2E2E2"/>
+              </a:gs>
+              <a:gs pos="100000">
+                <a:srgbClr val="FFFFFF"/>
+              </a:gs>
+            </a:gsLst>
+            <a:path path="circle"/>
+          </a:gradFill>
+          <a:ln>
+            <a:noFill/>
+          </a:ln>
+        </p:spPr>
+        <p:style>
+          <a:lnRef idx="2">
+            <a:schemeClr val="accent1">
+              <a:shade val="15000"/>
+            </a:schemeClr>
+          </a:lnRef>
+          <a:fillRef idx="1">
+            <a:schemeClr val="accent1"/>
+          </a:fillRef>
+          <a:effectRef idx="0">
+            <a:schemeClr val="accent1"/>
+          </a:effectRef>
+          <a:fontRef idx="minor">
+            <a:schemeClr val="lt1"/>
+          </a:fontRef>
+        </p:style>
+        <p:txBody>
+          <a:bodyPr rtlCol="0" anchor="ctr"/>
+          <a:lstStyle/>
+          <a:p>
+            <a:pPr algn="ctr">
+              <a:defRPr/>
+            </a:pPr>
+            <a:endParaRPr lang="it-IT"/>
+          </a:p>
+        </p:txBody>
+      </p:sp>
+      <p:sp>
+        <p:nvSpPr>
+          <p:cNvPr id="107888386" name="Rettangolo 9"/>
+          <p:cNvSpPr/>
+          <p:nvPr/>
+        </p:nvSpPr>
+        <p:spPr bwMode="auto">
+          <a:xfrm rot="11561691">
+            <a:off x="11964600" y="158151"/>
+            <a:ext cx="1101969" cy="8475782"/>
+          </a:xfrm>
+          <a:prstGeom prst="rect">
+            <a:avLst/>
+          </a:prstGeom>
+          <a:gradFill>
+            <a:gsLst>
+              <a:gs pos="24000">
+                <a:srgbClr val="E2E2E2"/>
+              </a:gs>
+              <a:gs pos="100000">
+                <a:srgbClr val="F6F6F6"/>
+              </a:gs>
+            </a:gsLst>
+            <a:path path="circle"/>
+          </a:gradFill>
+          <a:ln>
+            <a:noFill/>
+          </a:ln>
+        </p:spPr>
+        <p:style>
+          <a:lnRef idx="2">
+            <a:schemeClr val="accent1">
+              <a:shade val="15000"/>
+            </a:schemeClr>
+          </a:lnRef>
+          <a:fillRef idx="1">
+            <a:schemeClr val="accent1"/>
+          </a:fillRef>
+          <a:effectRef idx="0">
+            <a:schemeClr val="accent1"/>
+          </a:effectRef>
+          <a:fontRef idx="minor">
+            <a:schemeClr val="lt1"/>
+          </a:fontRef>
+        </p:style>
+        <p:txBody>
+          <a:bodyPr rtlCol="0" anchor="ctr"/>
+          <a:lstStyle/>
+          <a:p>
+            <a:pPr algn="ctr">
+              <a:defRPr/>
+            </a:pPr>
+            <a:endParaRPr lang="it-IT"/>
+          </a:p>
+        </p:txBody>
+      </p:sp>
+      <p:sp>
+        <p:nvSpPr>
+          <p:cNvPr id="1791987066" name="CasellaDiTesto 10"/>
+          <p:cNvSpPr txBox="1"/>
+          <p:nvPr/>
+        </p:nvSpPr>
+        <p:spPr bwMode="auto">
+          <a:xfrm>
+            <a:off x="1648701" y="223467"/>
+            <a:ext cx="9411129" cy="518519"/>
+          </a:xfrm>
+          <a:prstGeom prst="rect">
+            <a:avLst/>
+          </a:prstGeom>
+          <a:noFill/>
+        </p:spPr>
+        <p:txBody>
+          <a:bodyPr wrap="square" rtlCol="0">
+            <a:spAutoFit/>
+          </a:bodyPr>
+          <a:lstStyle/>
+          <a:p>
+            <a:pPr>
+              <a:defRPr/>
+            </a:pPr>
+            <a:r>
+              <a:rPr lang="it-IT" sz="2800" b="1">
+                <a:solidFill>
+                  <a:srgbClr val="019A3F"/>
+                </a:solidFill>
+              </a:rPr>
+              <a:t>Possibili domande: Energy+Spettrogrammi (3)</a:t>
+            </a:r>
+            <a:endParaRPr sz="1100">
+              <a:solidFill>
+                <a:srgbClr val="019A3F"/>
+              </a:solidFill>
+            </a:endParaRPr>
+          </a:p>
+        </p:txBody>
+      </p:sp>
+      <p:sp>
+        <p:nvSpPr>
+          <p:cNvPr id="419296837" name=""/>
+          <p:cNvSpPr txBox="1"/>
+          <p:nvPr/>
+        </p:nvSpPr>
+        <p:spPr bwMode="auto">
+          <a:xfrm flipH="0" flipV="0">
+            <a:off x="1775247" y="1047748"/>
+            <a:ext cx="9001123" cy="366118"/>
+          </a:xfrm>
+          <a:prstGeom prst="rect">
+            <a:avLst/>
+          </a:prstGeom>
+          <a:noFill/>
+        </p:spPr>
+        <p:txBody>
+          <a:bodyPr vertOverflow="overflow" horzOverflow="overflow" vert="horz" wrap="square" lIns="91440" tIns="45720" rIns="91440" bIns="45720" numCol="1" spcCol="0" rtlCol="0" fromWordArt="0" anchor="t" anchorCtr="0" forceAA="0" upright="0" compatLnSpc="0">
+            <a:spAutoFit/>
+          </a:bodyPr>
+          <a:p>
+            <a:pPr>
+              <a:defRPr/>
+            </a:pPr>
+            <a:endParaRPr/>
+          </a:p>
+        </p:txBody>
+      </p:sp>
+      <p:sp>
+        <p:nvSpPr>
+          <p:cNvPr id="1376054492" name=""/>
+          <p:cNvSpPr txBox="1"/>
+          <p:nvPr/>
+        </p:nvSpPr>
+        <p:spPr bwMode="auto">
+          <a:xfrm flipH="0" flipV="0">
+            <a:off x="1612084" y="1071559"/>
+            <a:ext cx="9366245" cy="5196062"/>
+          </a:xfrm>
+          <a:prstGeom prst="rect">
+            <a:avLst/>
+          </a:prstGeom>
+          <a:noFill/>
+        </p:spPr>
+        <p:txBody>
+          <a:bodyPr vertOverflow="overflow" horzOverflow="overflow" vert="horz" wrap="square" lIns="91440" tIns="45720" rIns="91440" bIns="45720" numCol="1" spcCol="0" rtlCol="0" fromWordArt="0" anchor="t" anchorCtr="0" forceAA="0" upright="0" compatLnSpc="0">
+            <a:spAutoFit/>
+          </a:bodyPr>
+          <a:p>
+            <a:pPr>
+              <a:defRPr/>
+            </a:pPr>
+            <a:r>
+              <a:rPr lang="en-US" sz="1800" b="0" i="0" u="none" strike="noStrike" cap="none" spc="0">
+                <a:solidFill>
+                  <a:schemeClr val="tx1"/>
+                </a:solidFill>
+                <a:latin typeface="Aptos"/>
+                <a:ea typeface="Aptos"/>
+                <a:cs typeface="Aptos"/>
+              </a:rPr>
+              <a:t>L'</a:t>
+            </a:r>
+            <a:r>
+              <a:rPr lang="en-US" sz="1800" b="1" i="0" u="none" strike="noStrike" cap="none" spc="0">
+                <a:solidFill>
+                  <a:schemeClr val="tx1"/>
+                </a:solidFill>
+                <a:latin typeface="Aptos"/>
+                <a:ea typeface="Aptos"/>
+                <a:cs typeface="Aptos"/>
+              </a:rPr>
+              <a:t>energia </a:t>
+            </a:r>
+            <a:r>
+              <a:rPr lang="en-US" sz="1800" b="0" i="0" u="none" strike="noStrike" cap="none" spc="0">
+                <a:solidFill>
+                  <a:schemeClr val="tx1"/>
+                </a:solidFill>
+                <a:latin typeface="Aptos"/>
+                <a:ea typeface="Aptos"/>
+                <a:cs typeface="Aptos"/>
+              </a:rPr>
+              <a:t>di un segnale è una misura della </a:t>
+            </a:r>
+            <a:r>
+              <a:rPr lang="en-US" sz="1800" b="1" i="0" u="none" strike="noStrike" cap="none" spc="0">
+                <a:solidFill>
+                  <a:srgbClr val="00B050"/>
+                </a:solidFill>
+                <a:latin typeface="Aptos"/>
+                <a:ea typeface="Aptos"/>
+                <a:cs typeface="Aptos"/>
+              </a:rPr>
+              <a:t>quantità totale di potenza contenuta nel segnale su tutto il tempo</a:t>
+            </a:r>
+            <a:r>
+              <a:rPr lang="en-US" sz="1800" b="0" i="0" u="none" strike="noStrike" cap="none" spc="0">
+                <a:solidFill>
+                  <a:schemeClr val="tx1"/>
+                </a:solidFill>
+                <a:latin typeface="Aptos"/>
+                <a:ea typeface="Aptos"/>
+                <a:cs typeface="Aptos"/>
+              </a:rPr>
+              <a:t>.</a:t>
+            </a:r>
+            <a:endParaRPr/>
+          </a:p>
+          <a:p>
+            <a:pPr>
+              <a:defRPr/>
+            </a:pPr>
+            <mc:AlternateContent xmlns:mc="http://schemas.openxmlformats.org/markup-compatibility/2006" xmlns:m="http://schemas.openxmlformats.org/officeDocument/2006/math">
+              <mc:Choice xmlns:a14="http://schemas.microsoft.com/office/drawing/2010/main" Requires="a14">
+                <a14:m>
+                  <m:oMathPara>
+                    <m:oMathParaPr/>
+                    <m:oMath>
+                      <m:r>
+                        <m:rPr>
+                          <m:sty m:val="p"/>
+                        </m:rPr>
+                        <a:rPr lang="en-US" sz="1800" u="none" strike="noStrike" cap="none" spc="0">
+                          <a:solidFill>
+                            <a:schemeClr val="tx1"/>
+                          </a:solidFill>
+                          <a:latin typeface="Cambria Math"/>
+                          <a:ea typeface="Cambria Math"/>
+                          <a:cs typeface="Cambria Math"/>
+                        </a:rPr>
+                        <m:t>E(x) = </m:t>
+                      </m:r>
+                      <m:nary>
+                        <m:naryPr>
+                          <m:chr m:val="∑"/>
+                          <m:grow m:val="off"/>
+                          <m:limLoc m:val="undOvr"/>
+                          <m:ctrlPr>
+                            <a:rPr lang="en-US" sz="1800" b="0" i="1" u="none" strike="noStrike" cap="none" spc="0">
+                              <a:solidFill>
+                                <a:schemeClr val="tx1"/>
+                              </a:solidFill>
+                              <a:latin typeface="Cambria Math"/>
+                              <a:ea typeface="Cambria Math"/>
+                              <a:cs typeface="Cambria Math"/>
+                            </a:rPr>
+                          </m:ctrlPr>
+                        </m:naryPr>
+                        <m:sub>
+                          <m:r>
+                            <m:rPr>
+                              <m:sty m:val="i"/>
+                            </m:rPr>
+                            <a:rPr lang="en-US" sz="1800" u="none" strike="noStrike" cap="none" spc="0">
+                              <a:solidFill>
+                                <a:schemeClr val="tx1"/>
+                              </a:solidFill>
+                              <a:latin typeface="Cambria Math"/>
+                              <a:ea typeface="Cambria Math"/>
+                              <a:cs typeface="Cambria Math"/>
+                            </a:rPr>
+                            <m:t>i</m:t>
+                          </m:r>
+                        </m:sub>
+                        <m:sup>
+                          <m:r>
+                            <m:rPr>
+                              <m:sty m:val="i"/>
+                            </m:rPr>
+                            <a:rPr lang="en-US" sz="1800" u="none" strike="noStrike" cap="none" spc="0">
+                              <a:solidFill>
+                                <a:schemeClr val="tx1"/>
+                              </a:solidFill>
+                              <a:latin typeface="Cambria Math"/>
+                              <a:ea typeface="Cambria Math"/>
+                              <a:cs typeface="Cambria Math"/>
+                            </a:rPr>
+                            <m:t/>
+                          </m:r>
+                        </m:sup>
+                        <m:e>
+                          <m:sSup>
+                            <m:sSupPr>
+                              <m:ctrlPr>
+                                <a:rPr lang="en-US" sz="1800" b="0" i="1" u="none" strike="noStrike" cap="none" spc="0">
+                                  <a:solidFill>
+                                    <a:schemeClr val="tx1"/>
+                                  </a:solidFill>
+                                  <a:latin typeface="Cambria Math"/>
+                                  <a:ea typeface="Cambria Math"/>
+                                  <a:cs typeface="Cambria Math"/>
+                                </a:rPr>
+                              </m:ctrlPr>
+                            </m:sSupPr>
+                            <m:e>
+                              <m:sSub>
+                                <m:sSubPr>
+                                  <m:ctrlPr>
+                                    <a:rPr lang="en-US" sz="1800" b="0" i="1" u="none" strike="noStrike" cap="none" spc="0">
+                                      <a:solidFill>
+                                        <a:schemeClr val="tx1"/>
+                                      </a:solidFill>
+                                      <a:latin typeface="Cambria Math"/>
+                                      <a:ea typeface="Cambria Math"/>
+                                      <a:cs typeface="Cambria Math"/>
+                                    </a:rPr>
+                                  </m:ctrlPr>
+                                </m:sSubPr>
+                                <m:e>
+                                  <m:r>
+                                    <m:rPr>
+                                      <m:sty m:val="i"/>
+                                    </m:rPr>
+                                    <a:rPr lang="en-US" sz="1800" u="none" strike="noStrike" cap="none" spc="0">
+                                      <a:solidFill>
+                                        <a:schemeClr val="tx1"/>
+                                      </a:solidFill>
+                                      <a:latin typeface="Cambria Math"/>
+                                      <a:ea typeface="Cambria Math"/>
+                                      <a:cs typeface="Cambria Math"/>
+                                    </a:rPr>
+                                    <m:t>x</m:t>
+                                  </m:r>
+                                </m:e>
+                                <m:sub>
+                                  <m:r>
+                                    <m:rPr>
+                                      <m:sty m:val="i"/>
+                                    </m:rPr>
+                                    <a:rPr lang="en-US" sz="1800" u="none" strike="noStrike" cap="none" spc="0">
+                                      <a:solidFill>
+                                        <a:schemeClr val="tx1"/>
+                                      </a:solidFill>
+                                      <a:latin typeface="Cambria Math"/>
+                                      <a:ea typeface="Cambria Math"/>
+                                      <a:cs typeface="Cambria Math"/>
+                                    </a:rPr>
+                                    <m:t>i</m:t>
+                                  </m:r>
+                                </m:sub>
+                              </m:sSub>
+                            </m:e>
+                            <m:sup>
+                              <m:r>
+                                <m:rPr>
+                                  <m:sty m:val="i"/>
+                                </m:rPr>
+                                <a:rPr lang="en-US" sz="1800" u="none" strike="noStrike" cap="none" spc="0">
+                                  <a:solidFill>
+                                    <a:schemeClr val="tx1"/>
+                                  </a:solidFill>
+                                  <a:latin typeface="Cambria Math"/>
+                                  <a:ea typeface="Cambria Math"/>
+                                  <a:cs typeface="Cambria Math"/>
+                                </a:rPr>
+                                <m:t>2</m:t>
+                              </m:r>
+                            </m:sup>
+                          </m:sSup>
+                        </m:e>
+                      </m:nary>
+                    </m:oMath>
+                  </m:oMathPara>
+                </a14:m>
+              </mc:Choice>
+              <mc:Fallback/>
+            </mc:AlternateContent>
+            <a:endParaRPr/>
+          </a:p>
+          <a:p>
+            <a:pPr>
+              <a:defRPr/>
+            </a:pPr>
+            <a:r>
+              <a:rPr lang="it-IT"/>
+              <a:t>NON VIENE USATA in quanto si usa per segnali di tipo audio.</a:t>
+            </a:r>
+            <a:endParaRPr lang="it-IT"/>
+          </a:p>
+          <a:p>
+            <a:pPr>
+              <a:defRPr/>
+            </a:pPr>
+            <a:endParaRPr/>
+          </a:p>
+          <a:p>
+            <a:pPr>
+              <a:defRPr/>
+            </a:pPr>
+            <a:r>
+              <a:rPr lang="it-IT"/>
+              <a:t>————————————————————————————————————————</a:t>
+            </a:r>
+            <a:endParaRPr/>
+          </a:p>
+          <a:p>
+            <a:pPr>
+              <a:defRPr/>
+            </a:pPr>
+            <a:endParaRPr/>
+          </a:p>
+          <a:p>
+            <a:pPr marL="283879" indent="-283879">
+              <a:buFont typeface="Arial"/>
+              <a:buChar char="•"/>
+              <a:defRPr/>
+            </a:pPr>
+            <a:r>
+              <a:rPr lang="it-IT" sz="1600" b="1" i="0" u="none" strike="noStrike" cap="none" spc="0">
+                <a:solidFill>
+                  <a:schemeClr val="tx1"/>
+                </a:solidFill>
+                <a:latin typeface="Aptos"/>
+                <a:ea typeface="Aptos"/>
+                <a:cs typeface="Aptos"/>
+              </a:rPr>
+              <a:t>Spettrogramma</a:t>
+            </a:r>
+            <a:r>
+              <a:rPr lang="it-IT" sz="1600" b="0" i="0" u="none" strike="noStrike" cap="none" spc="0">
+                <a:solidFill>
+                  <a:schemeClr val="tx1"/>
+                </a:solidFill>
+                <a:latin typeface="Aptos"/>
+                <a:ea typeface="Aptos"/>
+                <a:cs typeface="Aptos"/>
+              </a:rPr>
+              <a:t>: rappresentazione visiva della densità spettrale di un segnale nel tempo. Si ottiene applicando la Trasformata di Fourier su finestre temporali del segnale audio.</a:t>
+            </a:r>
+            <a:endParaRPr lang="it-IT" sz="1600" b="0" i="0" u="none" strike="noStrike" cap="none" spc="0">
+              <a:solidFill>
+                <a:schemeClr val="tx1"/>
+              </a:solidFill>
+              <a:latin typeface="Aptos"/>
+              <a:cs typeface="Aptos"/>
+            </a:endParaRPr>
+          </a:p>
+          <a:p>
+            <a:pPr marL="283879" indent="-283879">
+              <a:buFont typeface="Arial"/>
+              <a:buChar char="•"/>
+              <a:defRPr/>
+            </a:pPr>
+            <a:r>
+              <a:rPr lang="it-IT" sz="1600" b="1" i="0" u="none" strike="noStrike" cap="none" spc="0">
+                <a:solidFill>
+                  <a:schemeClr val="tx1"/>
+                </a:solidFill>
+                <a:latin typeface="Aptos"/>
+                <a:ea typeface="Aptos"/>
+                <a:cs typeface="Aptos"/>
+              </a:rPr>
+              <a:t>Mel Spettrogramma</a:t>
+            </a:r>
+            <a:r>
+              <a:rPr lang="it-IT" sz="1600" b="0" i="0" u="none" strike="noStrike" cap="none" spc="0">
+                <a:solidFill>
+                  <a:schemeClr val="tx1"/>
+                </a:solidFill>
+                <a:latin typeface="Aptos"/>
+                <a:ea typeface="Aptos"/>
+                <a:cs typeface="Aptos"/>
+              </a:rPr>
+              <a:t>: spettrogramma in cui le frequenze sono trasformate secondo la scala Mel, che riflette meglio la percezione umana dei suoni. Si ottiene applicando una banca di filtri Mel al modulo dello spettrogramma.</a:t>
+            </a:r>
+            <a:endParaRPr lang="it-IT" sz="1600" b="0" i="0" u="none" strike="noStrike" cap="none" spc="0">
+              <a:solidFill>
+                <a:schemeClr val="tx1"/>
+              </a:solidFill>
+              <a:latin typeface="Aptos"/>
+              <a:cs typeface="Aptos"/>
+            </a:endParaRPr>
+          </a:p>
+          <a:p>
+            <a:pPr marL="283879" indent="-283879">
+              <a:buFont typeface="Arial"/>
+              <a:buChar char="•"/>
+              <a:defRPr/>
+            </a:pPr>
+            <a:r>
+              <a:rPr lang="it-IT" sz="1600" b="1" i="0" u="none" strike="noStrike" cap="none" spc="0">
+                <a:solidFill>
+                  <a:schemeClr val="tx1"/>
+                </a:solidFill>
+                <a:latin typeface="Aptos"/>
+                <a:ea typeface="Aptos"/>
+                <a:cs typeface="Aptos"/>
+              </a:rPr>
+              <a:t>MFCC (Mel-Frequency Cepstral Coefficients)</a:t>
+            </a:r>
+            <a:r>
+              <a:rPr lang="it-IT" sz="1600" b="0" i="0" u="none" strike="noStrike" cap="none" spc="0">
+                <a:solidFill>
+                  <a:schemeClr val="tx1"/>
+                </a:solidFill>
+                <a:latin typeface="Aptos"/>
+                <a:ea typeface="Aptos"/>
+                <a:cs typeface="Aptos"/>
+              </a:rPr>
+              <a:t>: coefficenti ottenuti applicando la trasformata discreta del coseno (DCT) al log del Mel spettrogramma. Catturano caratteristiche timbriche del suono e sono ampiamente usati in riconoscimento vocale e analisi audio.</a:t>
+            </a:r>
+            <a:endParaRPr lang="it-IT" sz="1600" b="0" i="0" u="none" strike="noStrike" cap="none" spc="0">
+              <a:solidFill>
+                <a:schemeClr val="tx1"/>
+              </a:solidFill>
+              <a:latin typeface="Aptos"/>
+              <a:ea typeface="Aptos"/>
+              <a:cs typeface="Aptos"/>
+            </a:endParaRPr>
+          </a:p>
+          <a:p>
+            <a:pPr marL="283879" indent="-283879">
+              <a:buFont typeface="Arial"/>
+              <a:buChar char="•"/>
+              <a:defRPr/>
+            </a:pPr>
+            <a:endParaRPr lang="it-IT" sz="1600" b="0" i="0" u="none" strike="noStrike" cap="none" spc="0">
+              <a:solidFill>
+                <a:schemeClr val="tx1"/>
+              </a:solidFill>
+              <a:latin typeface="Aptos"/>
+              <a:cs typeface="Aptos"/>
+            </a:endParaRPr>
+          </a:p>
+          <a:p>
+            <a:pPr>
+              <a:defRPr/>
+            </a:pPr>
+            <a:r>
+              <a:rPr lang="it-IT" sz="1600" b="0" i="0" u="none" strike="noStrike" cap="none" spc="0">
+                <a:solidFill>
+                  <a:schemeClr val="tx1"/>
+                </a:solidFill>
+                <a:latin typeface="Aptos"/>
+                <a:ea typeface="Aptos"/>
+                <a:cs typeface="Aptos"/>
+              </a:rPr>
+              <a:t>NON VENGONO USATE PERCHè sono più orientati alla percezione umana e viene spesso usato in applicazioni di riconoscimento vocale o analisi del suono.</a:t>
+            </a:r>
+            <a:endParaRPr/>
+          </a:p>
+        </p:txBody>
+      </p:sp>
+      <p:sp>
+        <p:nvSpPr>
+          <p:cNvPr id="1621008302" name="Rettangolo 4"/>
+          <p:cNvSpPr/>
+          <p:nvPr/>
+        </p:nvSpPr>
+        <p:spPr bwMode="auto">
+          <a:xfrm rot="761666">
+            <a:off x="-26573" y="-990495"/>
+            <a:ext cx="1101969" cy="8475782"/>
+          </a:xfrm>
+          <a:prstGeom prst="rect">
+            <a:avLst/>
+          </a:prstGeom>
+          <a:gradFill>
+            <a:gsLst>
+              <a:gs pos="0">
+                <a:srgbClr val="E2E2E2"/>
+              </a:gs>
+              <a:gs pos="100000">
+                <a:srgbClr val="FFFFFF"/>
+              </a:gs>
+            </a:gsLst>
+            <a:path path="circle"/>
+          </a:gradFill>
+          <a:ln>
+            <a:noFill/>
+          </a:ln>
+        </p:spPr>
+        <p:style>
+          <a:lnRef idx="2">
+            <a:schemeClr val="accent1">
+              <a:shade val="15000"/>
+            </a:schemeClr>
+          </a:lnRef>
+          <a:fillRef idx="1">
+            <a:schemeClr val="accent1"/>
+          </a:fillRef>
+          <a:effectRef idx="0">
+            <a:schemeClr val="accent1"/>
+          </a:effectRef>
+          <a:fontRef idx="minor">
+            <a:schemeClr val="lt1"/>
+          </a:fontRef>
+        </p:style>
+        <p:txBody>
+          <a:bodyPr rtlCol="0" anchor="ctr"/>
+          <a:lstStyle/>
+          <a:p>
+            <a:pPr algn="ctr">
+              <a:defRPr/>
+            </a:pPr>
+            <a:endParaRPr lang="it-IT"/>
+          </a:p>
+        </p:txBody>
+      </p:sp>
+      <p:sp>
+        <p:nvSpPr>
+          <p:cNvPr id="709709634" name="Rettangolo 1"/>
+          <p:cNvSpPr/>
+          <p:nvPr/>
+        </p:nvSpPr>
+        <p:spPr bwMode="auto">
+          <a:xfrm rot="761666">
+            <a:off x="-788571" y="-1635257"/>
+            <a:ext cx="1101969" cy="8475782"/>
+          </a:xfrm>
+          <a:prstGeom prst="rect">
+            <a:avLst/>
+          </a:prstGeom>
+          <a:gradFill>
+            <a:gsLst>
+              <a:gs pos="50000">
+                <a:srgbClr val="019A3F"/>
+              </a:gs>
+              <a:gs pos="100000">
+                <a:srgbClr val="18BE5A"/>
+              </a:gs>
+            </a:gsLst>
+            <a:path path="circle"/>
+          </a:gradFill>
+          <a:ln>
+            <a:noFill/>
+          </a:ln>
+        </p:spPr>
+        <p:style>
+          <a:lnRef idx="2">
+            <a:schemeClr val="accent1">
+              <a:shade val="15000"/>
+            </a:schemeClr>
+          </a:lnRef>
+          <a:fillRef idx="1">
+            <a:schemeClr val="accent1"/>
+          </a:fillRef>
+          <a:effectRef idx="0">
+            <a:schemeClr val="accent1"/>
+          </a:effectRef>
+          <a:fontRef idx="minor">
+            <a:schemeClr val="lt1"/>
+          </a:fontRef>
+        </p:style>
+        <p:txBody>
+          <a:bodyPr rtlCol="0" anchor="ctr"/>
+          <a:lstStyle/>
+          <a:p>
+            <a:pPr algn="ctr">
+              <a:defRPr/>
+            </a:pPr>
+            <a:endParaRPr lang="it-IT"/>
+          </a:p>
+        </p:txBody>
+      </p:sp>
+    </p:spTree>
+  </p:cSld>
+  <p:clrMapOvr>
+    <a:masterClrMapping/>
+  </p:clrMapOvr>
+  <mc:AlternateContent xmlns:mc="http://schemas.openxmlformats.org/markup-compatibility/2006">
+    <mc:Choice xmlns:p159="http://schemas.microsoft.com/office/powerpoint/2015/09/main" xmlns:p14="http://schemas.microsoft.com/office/powerpoint/2010/main" Requires="p159">
+      <p:transition p14:dur="2000" advClick="1"/>
+    </mc:Choice>
+    <mc:Fallback>
+      <p:transition advClick="1"/>
+    </mc:Fallback>
+  </mc:AlternateContent>
+</p:sld>
+</file>
+
 <file path=ppt/slides/slide4.xml><?xml version="1.0" encoding="utf-8"?>
 <p:sld xmlns:a="http://schemas.openxmlformats.org/drawingml/2006/main" xmlns:r="http://schemas.openxmlformats.org/officeDocument/2006/relationships" xmlns:p="http://schemas.openxmlformats.org/presentationml/2006/main" xmlns:m="http://schemas.openxmlformats.org/officeDocument/2006/math" xmlns:w="http://schemas.openxmlformats.org/wordprocessingml/2006/main" xmlns:mc="http://schemas.openxmlformats.org/markup-compatibility/2006" showMasterPhAnim="0" showMasterSp="1" show="1">
   <p:cSld name="">
@@ -19255,7 +22915,7 @@
         <p:spPr bwMode="auto">
           <a:xfrm>
             <a:off x="1648704" y="488054"/>
-            <a:ext cx="9329051" cy="823320"/>
+            <a:ext cx="9329050" cy="823320"/>
           </a:xfrm>
           <a:prstGeom prst="rect">
             <a:avLst/>
